--- a/presentation/presentation-shtamp.pptx
+++ b/presentation/presentation-shtamp.pptx
@@ -1,6 +1,6 @@
 
 <file path=ppt/presentation.xml><?xml version="1.0" encoding="utf-8"?>
-<p:presentation xmlns:a="http://schemas.openxmlformats.org/drawingml/2006/main" xmlns:r="http://schemas.openxmlformats.org/officeDocument/2006/relationships" xmlns:p="http://schemas.openxmlformats.org/presentationml/2006/main" showSpecialPlsOnTitleSld="0" saveSubsetFonts="1">
+<p:presentation xmlns:a="http://schemas.openxmlformats.org/drawingml/2006/main" xmlns:r="http://schemas.openxmlformats.org/officeDocument/2006/relationships" xmlns:p="http://schemas.openxmlformats.org/presentationml/2006/main" showSpecialPlsOnTitleSld="0" saveSubsetFonts="1" autoCompressPictures="0">
   <p:sldMasterIdLst>
     <p:sldMasterId id="2147483648" r:id="rId1"/>
   </p:sldMasterIdLst>
@@ -4342,30 +4342,6 @@
           </a:fontRef>
         </p:style>
       </p:cxnSp>
-      <p:sp>
-        <p:nvSpPr>
-          <p:cNvPr id="14" name="Номер слайда 13"/>
-          <p:cNvSpPr>
-            <a:spLocks noGrp="1"/>
-          </p:cNvSpPr>
-          <p:nvPr>
-            <p:ph type="sldNum" sz="quarter" idx="12"/>
-          </p:nvPr>
-        </p:nvSpPr>
-        <p:spPr/>
-        <p:txBody>
-          <a:bodyPr/>
-          <a:lstStyle/>
-          <a:p>
-            <a:fld id="{F2BB55FB-146C-47F1-A3F4-E5E9F11C5D2A}" type="slidenum">
-              <a:rPr lang="ru-RU" smtClean="0"/>
-              <a:pPr/>
-              <a:t>10</a:t>
-            </a:fld>
-            <a:endParaRPr lang="ru-RU"/>
-          </a:p>
-        </p:txBody>
-      </p:sp>
     </p:spTree>
   </p:cSld>
   <p:clrMapOvr>
@@ -4432,30 +4408,6 @@
               <a:t> </a:t>
             </a:r>
             <a:endParaRPr lang="ru-RU" dirty="0"/>
-          </a:p>
-        </p:txBody>
-      </p:sp>
-      <p:sp>
-        <p:nvSpPr>
-          <p:cNvPr id="4" name="Номер слайда 3"/>
-          <p:cNvSpPr>
-            <a:spLocks noGrp="1"/>
-          </p:cNvSpPr>
-          <p:nvPr>
-            <p:ph type="sldNum" sz="quarter" idx="12"/>
-          </p:nvPr>
-        </p:nvSpPr>
-        <p:spPr/>
-        <p:txBody>
-          <a:bodyPr/>
-          <a:lstStyle/>
-          <a:p>
-            <a:fld id="{F2BB55FB-146C-47F1-A3F4-E5E9F11C5D2A}" type="slidenum">
-              <a:rPr lang="ru-RU" smtClean="0"/>
-              <a:pPr/>
-              <a:t>11</a:t>
-            </a:fld>
-            <a:endParaRPr lang="ru-RU"/>
           </a:p>
         </p:txBody>
       </p:sp>
@@ -4519,7 +4471,7 @@
         </p:nvSpPr>
         <p:spPr>
           <a:xfrm>
-            <a:off x="4110856" y="5643578"/>
+            <a:off x="4214810" y="5286388"/>
             <a:ext cx="4791055" cy="646331"/>
           </a:xfrm>
           <a:prstGeom prst="rect">
@@ -4673,37 +4625,13 @@
       </p:sp>
       <p:sp>
         <p:nvSpPr>
-          <p:cNvPr id="4" name="Номер слайда 3"/>
-          <p:cNvSpPr>
-            <a:spLocks noGrp="1"/>
-          </p:cNvSpPr>
-          <p:nvPr>
-            <p:ph type="sldNum" sz="quarter" idx="12"/>
-          </p:nvPr>
-        </p:nvSpPr>
-        <p:spPr/>
-        <p:txBody>
-          <a:bodyPr/>
-          <a:lstStyle/>
-          <a:p>
-            <a:fld id="{F2BB55FB-146C-47F1-A3F4-E5E9F11C5D2A}" type="slidenum">
-              <a:rPr lang="ru-RU" smtClean="0"/>
-              <a:pPr/>
-              <a:t>12</a:t>
-            </a:fld>
-            <a:endParaRPr lang="ru-RU"/>
-          </a:p>
-        </p:txBody>
-      </p:sp>
-      <p:sp>
-        <p:nvSpPr>
           <p:cNvPr id="9" name="TextBox 8"/>
           <p:cNvSpPr txBox="1"/>
           <p:nvPr/>
         </p:nvSpPr>
         <p:spPr>
           <a:xfrm>
-            <a:off x="5588195" y="5643578"/>
+            <a:off x="5715008" y="5000636"/>
             <a:ext cx="3313728" cy="369332"/>
           </a:xfrm>
           <a:prstGeom prst="rect">
@@ -4764,7 +4692,7 @@
         <p:spPr>
           <a:xfrm>
             <a:off x="142844" y="571480"/>
-            <a:ext cx="8858312" cy="4714908"/>
+            <a:ext cx="8858312" cy="4357718"/>
           </a:xfrm>
           <a:prstGeom prst="rect">
             <a:avLst/>
@@ -4952,30 +4880,6 @@
               <a:latin typeface="Times New Roman" pitchFamily="18" charset="0"/>
               <a:cs typeface="Times New Roman" pitchFamily="18" charset="0"/>
             </a:endParaRPr>
-          </a:p>
-        </p:txBody>
-      </p:sp>
-      <p:sp>
-        <p:nvSpPr>
-          <p:cNvPr id="4" name="Номер слайда 3"/>
-          <p:cNvSpPr>
-            <a:spLocks noGrp="1"/>
-          </p:cNvSpPr>
-          <p:nvPr>
-            <p:ph type="sldNum" sz="quarter" idx="12"/>
-          </p:nvPr>
-        </p:nvSpPr>
-        <p:spPr/>
-        <p:txBody>
-          <a:bodyPr/>
-          <a:lstStyle/>
-          <a:p>
-            <a:fld id="{F2BB55FB-146C-47F1-A3F4-E5E9F11C5D2A}" type="slidenum">
-              <a:rPr lang="ru-RU" smtClean="0"/>
-              <a:pPr/>
-              <a:t>13</a:t>
-            </a:fld>
-            <a:endParaRPr lang="ru-RU"/>
           </a:p>
         </p:txBody>
       </p:sp>
@@ -5314,30 +5218,6 @@
               </a:rPr>
               <a:t>Технология разработки библиотеки</a:t>
             </a:r>
-          </a:p>
-        </p:txBody>
-      </p:sp>
-      <p:sp>
-        <p:nvSpPr>
-          <p:cNvPr id="4" name="Номер слайда 3"/>
-          <p:cNvSpPr>
-            <a:spLocks noGrp="1"/>
-          </p:cNvSpPr>
-          <p:nvPr>
-            <p:ph type="sldNum" sz="quarter" idx="12"/>
-          </p:nvPr>
-        </p:nvSpPr>
-        <p:spPr/>
-        <p:txBody>
-          <a:bodyPr/>
-          <a:lstStyle/>
-          <a:p>
-            <a:fld id="{F2BB55FB-146C-47F1-A3F4-E5E9F11C5D2A}" type="slidenum">
-              <a:rPr lang="ru-RU" smtClean="0"/>
-              <a:pPr/>
-              <a:t>14</a:t>
-            </a:fld>
-            <a:endParaRPr lang="ru-RU"/>
           </a:p>
         </p:txBody>
       </p:sp>
@@ -5931,37 +5811,13 @@
       </p:sp>
       <p:sp>
         <p:nvSpPr>
-          <p:cNvPr id="4" name="Номер слайда 3"/>
-          <p:cNvSpPr>
-            <a:spLocks noGrp="1"/>
-          </p:cNvSpPr>
-          <p:nvPr>
-            <p:ph type="sldNum" sz="quarter" idx="12"/>
-          </p:nvPr>
-        </p:nvSpPr>
-        <p:spPr/>
-        <p:txBody>
-          <a:bodyPr/>
-          <a:lstStyle/>
-          <a:p>
-            <a:fld id="{F2BB55FB-146C-47F1-A3F4-E5E9F11C5D2A}" type="slidenum">
-              <a:rPr lang="ru-RU" smtClean="0"/>
-              <a:pPr/>
-              <a:t>15</a:t>
-            </a:fld>
-            <a:endParaRPr lang="ru-RU" dirty="0"/>
-          </a:p>
-        </p:txBody>
-      </p:sp>
-      <p:sp>
-        <p:nvSpPr>
           <p:cNvPr id="9" name="TextBox 8"/>
           <p:cNvSpPr txBox="1"/>
           <p:nvPr/>
         </p:nvSpPr>
         <p:spPr>
           <a:xfrm>
-            <a:off x="0" y="642918"/>
+            <a:off x="0" y="785794"/>
             <a:ext cx="9144000" cy="369332"/>
           </a:xfrm>
           <a:prstGeom prst="rect">
@@ -8484,42 +8340,6 @@
           <a:chExt cx="0" cy="0"/>
         </a:xfrm>
       </p:grpSpPr>
-      <p:sp>
-        <p:nvSpPr>
-          <p:cNvPr id="2" name="Заголовок 1"/>
-          <p:cNvSpPr>
-            <a:spLocks noGrp="1"/>
-          </p:cNvSpPr>
-          <p:nvPr>
-            <p:ph type="title"/>
-          </p:nvPr>
-        </p:nvSpPr>
-        <p:spPr>
-          <a:xfrm>
-            <a:off x="457200" y="274638"/>
-            <a:ext cx="8229600" cy="511156"/>
-          </a:xfrm>
-        </p:spPr>
-        <p:txBody>
-          <a:bodyPr>
-            <a:noAutofit/>
-          </a:bodyPr>
-          <a:lstStyle/>
-          <a:p>
-            <a:r>
-              <a:rPr lang="ru-RU" sz="2600" dirty="0" smtClean="0">
-                <a:latin typeface="Times New Roman" pitchFamily="18" charset="0"/>
-                <a:cs typeface="Times New Roman" pitchFamily="18" charset="0"/>
-              </a:rPr>
-              <a:t>Постановка задачи. Предпосылки к разработке библиотеки функций</a:t>
-            </a:r>
-            <a:endParaRPr lang="ru-RU" sz="2600" dirty="0">
-              <a:latin typeface="Times New Roman" pitchFamily="18" charset="0"/>
-              <a:cs typeface="Times New Roman" pitchFamily="18" charset="0"/>
-            </a:endParaRPr>
-          </a:p>
-        </p:txBody>
-      </p:sp>
       <p:graphicFrame>
         <p:nvGraphicFramePr>
           <p:cNvPr id="5" name="Содержимое 4"/>
@@ -8917,50 +8737,13 @@
       </p:graphicFrame>
       <p:sp>
         <p:nvSpPr>
-          <p:cNvPr id="4" name="TextBox 3"/>
-          <p:cNvSpPr txBox="1"/>
-          <p:nvPr/>
-        </p:nvSpPr>
-        <p:spPr>
-          <a:xfrm>
-            <a:off x="2786050" y="2571744"/>
-            <a:ext cx="3714776" cy="461665"/>
-          </a:xfrm>
-          <a:prstGeom prst="rect">
-            <a:avLst/>
-          </a:prstGeom>
-          <a:noFill/>
-        </p:spPr>
-        <p:txBody>
-          <a:bodyPr wrap="square" rtlCol="0">
-            <a:spAutoFit/>
-          </a:bodyPr>
-          <a:lstStyle/>
-          <a:p>
-            <a:pPr algn="ctr"/>
-            <a:r>
-              <a:rPr lang="ru-RU" sz="2400" dirty="0" smtClean="0">
-                <a:latin typeface="Times New Roman" pitchFamily="18" charset="0"/>
-                <a:cs typeface="Times New Roman" pitchFamily="18" charset="0"/>
-              </a:rPr>
-              <a:t>Предпосылки разработки</a:t>
-            </a:r>
-            <a:endParaRPr lang="ru-RU" sz="2400" dirty="0">
-              <a:latin typeface="Times New Roman" pitchFamily="18" charset="0"/>
-              <a:cs typeface="Times New Roman" pitchFamily="18" charset="0"/>
-            </a:endParaRPr>
-          </a:p>
-        </p:txBody>
-      </p:sp>
-      <p:sp>
-        <p:nvSpPr>
           <p:cNvPr id="7" name="TextBox 6"/>
           <p:cNvSpPr txBox="1"/>
           <p:nvPr/>
         </p:nvSpPr>
         <p:spPr>
           <a:xfrm>
-            <a:off x="642910" y="1362662"/>
+            <a:off x="642910" y="2077042"/>
             <a:ext cx="7858180" cy="923330"/>
           </a:xfrm>
           <a:prstGeom prst="rect">
@@ -8986,30 +8769,6 @@
               <a:latin typeface="Times New Roman" pitchFamily="18" charset="0"/>
               <a:cs typeface="Times New Roman" pitchFamily="18" charset="0"/>
             </a:endParaRPr>
-          </a:p>
-        </p:txBody>
-      </p:sp>
-      <p:sp>
-        <p:nvSpPr>
-          <p:cNvPr id="8" name="Номер слайда 7"/>
-          <p:cNvSpPr>
-            <a:spLocks noGrp="1"/>
-          </p:cNvSpPr>
-          <p:nvPr>
-            <p:ph type="sldNum" sz="quarter" idx="12"/>
-          </p:nvPr>
-        </p:nvSpPr>
-        <p:spPr/>
-        <p:txBody>
-          <a:bodyPr/>
-          <a:lstStyle/>
-          <a:p>
-            <a:fld id="{F2BB55FB-146C-47F1-A3F4-E5E9F11C5D2A}" type="slidenum">
-              <a:rPr lang="ru-RU" smtClean="0"/>
-              <a:pPr/>
-              <a:t>2</a:t>
-            </a:fld>
-            <a:endParaRPr lang="ru-RU" dirty="0"/>
           </a:p>
         </p:txBody>
       </p:sp>
@@ -9256,43 +9015,6 @@
               <a:t>Проектирование</a:t>
             </a:r>
             <a:endParaRPr lang="ru-RU" dirty="0"/>
-          </a:p>
-        </p:txBody>
-      </p:sp>
-      <p:sp>
-        <p:nvSpPr>
-          <p:cNvPr id="2" name="Заголовок 1"/>
-          <p:cNvSpPr>
-            <a:spLocks noGrp="1"/>
-          </p:cNvSpPr>
-          <p:nvPr>
-            <p:ph type="title"/>
-          </p:nvPr>
-        </p:nvSpPr>
-        <p:spPr>
-          <a:xfrm>
-            <a:off x="500034" y="0"/>
-            <a:ext cx="8229600" cy="725470"/>
-          </a:xfrm>
-        </p:spPr>
-        <p:txBody>
-          <a:bodyPr>
-            <a:normAutofit/>
-          </a:bodyPr>
-          <a:lstStyle/>
-          <a:p>
-            <a:pPr algn="ctr"/>
-            <a:r>
-              <a:rPr lang="ru-RU" sz="2600" dirty="0" smtClean="0">
-                <a:latin typeface="Times New Roman" pitchFamily="18" charset="0"/>
-                <a:cs typeface="Times New Roman" pitchFamily="18" charset="0"/>
-              </a:rPr>
-              <a:t>Каскадная модель проектирования библиотеки функций</a:t>
-            </a:r>
-            <a:endParaRPr lang="ru-RU" sz="2600" dirty="0">
-              <a:latin typeface="Times New Roman" pitchFamily="18" charset="0"/>
-              <a:cs typeface="Times New Roman" pitchFamily="18" charset="0"/>
-            </a:endParaRPr>
           </a:p>
         </p:txBody>
       </p:sp>
@@ -9809,30 +9531,6 @@
           </a:p>
         </p:txBody>
       </p:sp>
-      <p:sp>
-        <p:nvSpPr>
-          <p:cNvPr id="21" name="Номер слайда 20"/>
-          <p:cNvSpPr>
-            <a:spLocks noGrp="1"/>
-          </p:cNvSpPr>
-          <p:nvPr>
-            <p:ph type="sldNum" sz="quarter" idx="12"/>
-          </p:nvPr>
-        </p:nvSpPr>
-        <p:spPr/>
-        <p:txBody>
-          <a:bodyPr/>
-          <a:lstStyle/>
-          <a:p>
-            <a:fld id="{F2BB55FB-146C-47F1-A3F4-E5E9F11C5D2A}" type="slidenum">
-              <a:rPr lang="ru-RU" smtClean="0"/>
-              <a:pPr/>
-              <a:t>3</a:t>
-            </a:fld>
-            <a:endParaRPr lang="ru-RU"/>
-          </a:p>
-        </p:txBody>
-      </p:sp>
     </p:spTree>
   </p:cSld>
   <p:clrMapOvr>
@@ -9865,484 +9563,6 @@
           <a:chExt cx="0" cy="0"/>
         </a:xfrm>
       </p:grpSpPr>
-      <p:sp>
-        <p:nvSpPr>
-          <p:cNvPr id="2" name="Заголовок 1"/>
-          <p:cNvSpPr>
-            <a:spLocks noGrp="1"/>
-          </p:cNvSpPr>
-          <p:nvPr>
-            <p:ph type="title"/>
-          </p:nvPr>
-        </p:nvSpPr>
-        <p:spPr>
-          <a:xfrm>
-            <a:off x="0" y="857232"/>
-            <a:ext cx="9144000" cy="500058"/>
-          </a:xfrm>
-        </p:spPr>
-        <p:txBody>
-          <a:bodyPr>
-            <a:normAutofit/>
-          </a:bodyPr>
-          <a:lstStyle/>
-          <a:p>
-            <a:r>
-              <a:rPr lang="ru-RU" sz="2600" dirty="0" smtClean="0">
-                <a:latin typeface="Times New Roman" pitchFamily="18" charset="0"/>
-                <a:cs typeface="Times New Roman" pitchFamily="18" charset="0"/>
-              </a:rPr>
-              <a:t>Функция инициализации библиотеки</a:t>
-            </a:r>
-            <a:endParaRPr lang="ru-RU" sz="2600" dirty="0">
-              <a:latin typeface="Times New Roman" pitchFamily="18" charset="0"/>
-              <a:cs typeface="Times New Roman" pitchFamily="18" charset="0"/>
-            </a:endParaRPr>
-          </a:p>
-        </p:txBody>
-      </p:sp>
-      <p:sp>
-        <p:nvSpPr>
-          <p:cNvPr id="7" name="Блок-схема: знак завершения 6"/>
-          <p:cNvSpPr/>
-          <p:nvPr/>
-        </p:nvSpPr>
-        <p:spPr>
-          <a:xfrm>
-            <a:off x="1714480" y="500042"/>
-            <a:ext cx="1643074" cy="214314"/>
-          </a:xfrm>
-          <a:prstGeom prst="flowChartTerminator">
-            <a:avLst/>
-          </a:prstGeom>
-          <a:solidFill>
-            <a:schemeClr val="accent3">
-              <a:lumMod val="60000"/>
-              <a:lumOff val="40000"/>
-            </a:schemeClr>
-          </a:solidFill>
-          <a:ln>
-            <a:solidFill>
-              <a:schemeClr val="tx1"/>
-            </a:solidFill>
-          </a:ln>
-        </p:spPr>
-        <p:style>
-          <a:lnRef idx="2">
-            <a:schemeClr val="accent1">
-              <a:shade val="50000"/>
-            </a:schemeClr>
-          </a:lnRef>
-          <a:fillRef idx="1">
-            <a:schemeClr val="accent1"/>
-          </a:fillRef>
-          <a:effectRef idx="0">
-            <a:schemeClr val="accent1"/>
-          </a:effectRef>
-          <a:fontRef idx="minor">
-            <a:schemeClr val="lt1"/>
-          </a:fontRef>
-        </p:style>
-        <p:txBody>
-          <a:bodyPr rtlCol="0" anchor="ctr"/>
-          <a:lstStyle/>
-          <a:p>
-            <a:pPr algn="ctr"/>
-            <a:r>
-              <a:rPr lang="ru-RU" sz="1200" dirty="0" smtClean="0">
-                <a:solidFill>
-                  <a:schemeClr val="tx1"/>
-                </a:solidFill>
-                <a:latin typeface="Times New Roman" pitchFamily="18" charset="0"/>
-                <a:cs typeface="Times New Roman" pitchFamily="18" charset="0"/>
-              </a:rPr>
-              <a:t>Инициализация</a:t>
-            </a:r>
-          </a:p>
-        </p:txBody>
-      </p:sp>
-      <p:sp>
-        <p:nvSpPr>
-          <p:cNvPr id="8" name="Блок-схема: знак завершения 7"/>
-          <p:cNvSpPr/>
-          <p:nvPr/>
-        </p:nvSpPr>
-        <p:spPr>
-          <a:xfrm>
-            <a:off x="3714744" y="142852"/>
-            <a:ext cx="1643074" cy="214314"/>
-          </a:xfrm>
-          <a:prstGeom prst="flowChartTerminator">
-            <a:avLst/>
-          </a:prstGeom>
-          <a:solidFill>
-            <a:schemeClr val="bg1"/>
-          </a:solidFill>
-          <a:ln>
-            <a:solidFill>
-              <a:schemeClr val="tx1"/>
-            </a:solidFill>
-          </a:ln>
-        </p:spPr>
-        <p:style>
-          <a:lnRef idx="2">
-            <a:schemeClr val="accent1">
-              <a:shade val="50000"/>
-            </a:schemeClr>
-          </a:lnRef>
-          <a:fillRef idx="1">
-            <a:schemeClr val="accent1"/>
-          </a:fillRef>
-          <a:effectRef idx="0">
-            <a:schemeClr val="accent1"/>
-          </a:effectRef>
-          <a:fontRef idx="minor">
-            <a:schemeClr val="lt1"/>
-          </a:fontRef>
-        </p:style>
-        <p:txBody>
-          <a:bodyPr rtlCol="0" anchor="ctr"/>
-          <a:lstStyle/>
-          <a:p>
-            <a:pPr algn="ctr"/>
-            <a:r>
-              <a:rPr lang="ru-RU" sz="1200" dirty="0" smtClean="0">
-                <a:solidFill>
-                  <a:schemeClr val="tx1"/>
-                </a:solidFill>
-                <a:latin typeface="Times New Roman" pitchFamily="18" charset="0"/>
-                <a:cs typeface="Times New Roman" pitchFamily="18" charset="0"/>
-              </a:rPr>
-              <a:t>Работа с ошибками</a:t>
-            </a:r>
-          </a:p>
-        </p:txBody>
-      </p:sp>
-      <p:sp>
-        <p:nvSpPr>
-          <p:cNvPr id="9" name="Блок-схема: знак завершения 8"/>
-          <p:cNvSpPr/>
-          <p:nvPr/>
-        </p:nvSpPr>
-        <p:spPr>
-          <a:xfrm>
-            <a:off x="3714744" y="500042"/>
-            <a:ext cx="1643074" cy="214314"/>
-          </a:xfrm>
-          <a:prstGeom prst="flowChartTerminator">
-            <a:avLst/>
-          </a:prstGeom>
-          <a:solidFill>
-            <a:schemeClr val="bg1"/>
-          </a:solidFill>
-          <a:ln>
-            <a:solidFill>
-              <a:schemeClr val="tx1"/>
-            </a:solidFill>
-          </a:ln>
-        </p:spPr>
-        <p:style>
-          <a:lnRef idx="2">
-            <a:schemeClr val="accent1">
-              <a:shade val="50000"/>
-            </a:schemeClr>
-          </a:lnRef>
-          <a:fillRef idx="1">
-            <a:schemeClr val="accent1"/>
-          </a:fillRef>
-          <a:effectRef idx="0">
-            <a:schemeClr val="accent1"/>
-          </a:effectRef>
-          <a:fontRef idx="minor">
-            <a:schemeClr val="lt1"/>
-          </a:fontRef>
-        </p:style>
-        <p:txBody>
-          <a:bodyPr rtlCol="0" anchor="ctr"/>
-          <a:lstStyle/>
-          <a:p>
-            <a:pPr algn="ctr"/>
-            <a:r>
-              <a:rPr lang="en-US" sz="1200" dirty="0" smtClean="0">
-                <a:solidFill>
-                  <a:schemeClr val="tx1"/>
-                </a:solidFill>
-                <a:latin typeface="Times New Roman" pitchFamily="18" charset="0"/>
-                <a:cs typeface="Times New Roman" pitchFamily="18" charset="0"/>
-              </a:rPr>
-              <a:t>C</a:t>
-            </a:r>
-            <a:r>
-              <a:rPr lang="ru-RU" sz="1200" dirty="0" smtClean="0">
-                <a:solidFill>
-                  <a:schemeClr val="tx1"/>
-                </a:solidFill>
-                <a:latin typeface="Times New Roman" pitchFamily="18" charset="0"/>
-                <a:cs typeface="Times New Roman" pitchFamily="18" charset="0"/>
-              </a:rPr>
-              <a:t>бор параметров</a:t>
-            </a:r>
-          </a:p>
-        </p:txBody>
-      </p:sp>
-      <p:sp>
-        <p:nvSpPr>
-          <p:cNvPr id="10" name="Блок-схема: знак завершения 9"/>
-          <p:cNvSpPr/>
-          <p:nvPr/>
-        </p:nvSpPr>
-        <p:spPr>
-          <a:xfrm>
-            <a:off x="5715008" y="500042"/>
-            <a:ext cx="1643074" cy="214314"/>
-          </a:xfrm>
-          <a:prstGeom prst="flowChartTerminator">
-            <a:avLst/>
-          </a:prstGeom>
-          <a:solidFill>
-            <a:schemeClr val="bg1"/>
-          </a:solidFill>
-          <a:ln>
-            <a:solidFill>
-              <a:schemeClr val="tx1"/>
-            </a:solidFill>
-          </a:ln>
-        </p:spPr>
-        <p:style>
-          <a:lnRef idx="2">
-            <a:schemeClr val="accent1">
-              <a:shade val="50000"/>
-            </a:schemeClr>
-          </a:lnRef>
-          <a:fillRef idx="1">
-            <a:schemeClr val="accent1"/>
-          </a:fillRef>
-          <a:effectRef idx="0">
-            <a:schemeClr val="accent1"/>
-          </a:effectRef>
-          <a:fontRef idx="minor">
-            <a:schemeClr val="lt1"/>
-          </a:fontRef>
-        </p:style>
-        <p:txBody>
-          <a:bodyPr rtlCol="0" anchor="ctr"/>
-          <a:lstStyle/>
-          <a:p>
-            <a:pPr algn="ctr"/>
-            <a:r>
-              <a:rPr lang="ru-RU" sz="1200" dirty="0" smtClean="0">
-                <a:solidFill>
-                  <a:schemeClr val="tx1"/>
-                </a:solidFill>
-                <a:latin typeface="Times New Roman" pitchFamily="18" charset="0"/>
-                <a:cs typeface="Times New Roman" pitchFamily="18" charset="0"/>
-              </a:rPr>
-              <a:t>Вывод</a:t>
-            </a:r>
-          </a:p>
-        </p:txBody>
-      </p:sp>
-      <p:cxnSp>
-        <p:nvCxnSpPr>
-          <p:cNvPr id="13" name="Shape 12"/>
-          <p:cNvCxnSpPr>
-            <a:stCxn id="7" idx="0"/>
-            <a:endCxn id="8" idx="1"/>
-          </p:cNvCxnSpPr>
-          <p:nvPr/>
-        </p:nvCxnSpPr>
-        <p:spPr>
-          <a:xfrm rot="5400000" flipH="1" flipV="1">
-            <a:off x="3000364" y="-214337"/>
-            <a:ext cx="250033" cy="1178727"/>
-          </a:xfrm>
-          <a:prstGeom prst="curvedConnector2">
-            <a:avLst/>
-          </a:prstGeom>
-          <a:ln>
-            <a:solidFill>
-              <a:schemeClr val="tx1"/>
-            </a:solidFill>
-            <a:tailEnd type="arrow"/>
-          </a:ln>
-        </p:spPr>
-        <p:style>
-          <a:lnRef idx="1">
-            <a:schemeClr val="accent1"/>
-          </a:lnRef>
-          <a:fillRef idx="0">
-            <a:schemeClr val="accent1"/>
-          </a:fillRef>
-          <a:effectRef idx="0">
-            <a:schemeClr val="accent1"/>
-          </a:effectRef>
-          <a:fontRef idx="minor">
-            <a:schemeClr val="tx1"/>
-          </a:fontRef>
-        </p:style>
-      </p:cxnSp>
-      <p:cxnSp>
-        <p:nvCxnSpPr>
-          <p:cNvPr id="15" name="Скругленная соединительная линия 14"/>
-          <p:cNvCxnSpPr>
-            <a:stCxn id="7" idx="3"/>
-            <a:endCxn id="9" idx="1"/>
-          </p:cNvCxnSpPr>
-          <p:nvPr/>
-        </p:nvCxnSpPr>
-        <p:spPr>
-          <a:xfrm>
-            <a:off x="3357554" y="607199"/>
-            <a:ext cx="357190" cy="1588"/>
-          </a:xfrm>
-          <a:prstGeom prst="curvedConnector3">
-            <a:avLst>
-              <a:gd name="adj1" fmla="val 50000"/>
-            </a:avLst>
-          </a:prstGeom>
-          <a:ln>
-            <a:solidFill>
-              <a:schemeClr val="tx1"/>
-            </a:solidFill>
-            <a:tailEnd type="arrow"/>
-          </a:ln>
-        </p:spPr>
-        <p:style>
-          <a:lnRef idx="1">
-            <a:schemeClr val="accent1"/>
-          </a:lnRef>
-          <a:fillRef idx="0">
-            <a:schemeClr val="accent1"/>
-          </a:fillRef>
-          <a:effectRef idx="0">
-            <a:schemeClr val="accent1"/>
-          </a:effectRef>
-          <a:fontRef idx="minor">
-            <a:schemeClr val="tx1"/>
-          </a:fontRef>
-        </p:style>
-      </p:cxnSp>
-      <p:cxnSp>
-        <p:nvCxnSpPr>
-          <p:cNvPr id="17" name="Скругленная соединительная линия 16"/>
-          <p:cNvCxnSpPr>
-            <a:stCxn id="9" idx="3"/>
-            <a:endCxn id="10" idx="1"/>
-          </p:cNvCxnSpPr>
-          <p:nvPr/>
-        </p:nvCxnSpPr>
-        <p:spPr>
-          <a:xfrm>
-            <a:off x="5357818" y="607199"/>
-            <a:ext cx="357190" cy="1588"/>
-          </a:xfrm>
-          <a:prstGeom prst="curvedConnector3">
-            <a:avLst>
-              <a:gd name="adj1" fmla="val 50000"/>
-            </a:avLst>
-          </a:prstGeom>
-          <a:ln>
-            <a:solidFill>
-              <a:schemeClr val="tx1"/>
-            </a:solidFill>
-            <a:tailEnd type="arrow"/>
-          </a:ln>
-        </p:spPr>
-        <p:style>
-          <a:lnRef idx="1">
-            <a:schemeClr val="accent1"/>
-          </a:lnRef>
-          <a:fillRef idx="0">
-            <a:schemeClr val="accent1"/>
-          </a:fillRef>
-          <a:effectRef idx="0">
-            <a:schemeClr val="accent1"/>
-          </a:effectRef>
-          <a:fontRef idx="minor">
-            <a:schemeClr val="tx1"/>
-          </a:fontRef>
-        </p:style>
-      </p:cxnSp>
-      <p:cxnSp>
-        <p:nvCxnSpPr>
-          <p:cNvPr id="21" name="Shape 20"/>
-          <p:cNvCxnSpPr>
-            <a:stCxn id="9" idx="0"/>
-            <a:endCxn id="8" idx="2"/>
-          </p:cNvCxnSpPr>
-          <p:nvPr/>
-        </p:nvCxnSpPr>
-        <p:spPr>
-          <a:xfrm rot="5400000" flipH="1" flipV="1">
-            <a:off x="4464843" y="428604"/>
-            <a:ext cx="142876" cy="1588"/>
-          </a:xfrm>
-          <a:prstGeom prst="curvedConnector3">
-            <a:avLst>
-              <a:gd name="adj1" fmla="val 50000"/>
-            </a:avLst>
-          </a:prstGeom>
-          <a:ln>
-            <a:solidFill>
-              <a:schemeClr val="tx1"/>
-            </a:solidFill>
-            <a:tailEnd type="arrow"/>
-          </a:ln>
-        </p:spPr>
-        <p:style>
-          <a:lnRef idx="1">
-            <a:schemeClr val="accent1"/>
-          </a:lnRef>
-          <a:fillRef idx="0">
-            <a:schemeClr val="accent1"/>
-          </a:fillRef>
-          <a:effectRef idx="0">
-            <a:schemeClr val="accent1"/>
-          </a:effectRef>
-          <a:fontRef idx="minor">
-            <a:schemeClr val="tx1"/>
-          </a:fontRef>
-        </p:style>
-      </p:cxnSp>
-      <p:cxnSp>
-        <p:nvCxnSpPr>
-          <p:cNvPr id="23" name="Shape 22"/>
-          <p:cNvCxnSpPr>
-            <a:stCxn id="10" idx="0"/>
-            <a:endCxn id="8" idx="3"/>
-          </p:cNvCxnSpPr>
-          <p:nvPr/>
-        </p:nvCxnSpPr>
-        <p:spPr>
-          <a:xfrm rot="16200000" flipV="1">
-            <a:off x="5822166" y="-214338"/>
-            <a:ext cx="250033" cy="1178727"/>
-          </a:xfrm>
-          <a:prstGeom prst="curvedConnector2">
-            <a:avLst/>
-          </a:prstGeom>
-          <a:ln>
-            <a:solidFill>
-              <a:schemeClr val="tx1"/>
-            </a:solidFill>
-            <a:tailEnd type="arrow"/>
-          </a:ln>
-        </p:spPr>
-        <p:style>
-          <a:lnRef idx="1">
-            <a:schemeClr val="accent1"/>
-          </a:lnRef>
-          <a:fillRef idx="0">
-            <a:schemeClr val="accent1"/>
-          </a:fillRef>
-          <a:effectRef idx="0">
-            <a:schemeClr val="accent1"/>
-          </a:effectRef>
-          <a:fontRef idx="minor">
-            <a:schemeClr val="tx1"/>
-          </a:fontRef>
-        </p:style>
-      </p:cxnSp>
       <p:graphicFrame>
         <p:nvGraphicFramePr>
           <p:cNvPr id="18" name="Таблица 17"/>
@@ -10352,7 +9572,7 @@
           <p:nvPr/>
         </p:nvGraphicFramePr>
         <p:xfrm>
-          <a:off x="428596" y="3500438"/>
+          <a:off x="571472" y="2786058"/>
           <a:ext cx="2643206" cy="1285884"/>
         </p:xfrm>
         <a:graphic>
@@ -10576,7 +9796,7 @@
         </p:blipFill>
         <p:spPr bwMode="auto">
           <a:xfrm>
-            <a:off x="3929058" y="1357298"/>
+            <a:off x="4429124" y="1357298"/>
             <a:ext cx="4643470" cy="5381788"/>
           </a:xfrm>
           <a:prstGeom prst="rect">
@@ -10594,7 +9814,7 @@
           <p:nvPr/>
         </p:nvGraphicFramePr>
         <p:xfrm>
-          <a:off x="428596" y="1844990"/>
+          <a:off x="571472" y="1428736"/>
           <a:ext cx="4000528" cy="1226820"/>
         </p:xfrm>
         <a:graphic>
@@ -10942,14 +10162,14 @@
                         </a:spcAft>
                       </a:pPr>
                       <a:r>
-                        <a:rPr lang="en-US" sz="1300" kern="50">
+                        <a:rPr lang="en-US" sz="1300" kern="50" dirty="0">
                           <a:latin typeface="Consolas"/>
                           <a:ea typeface="WenQuanYi Micro Hei"/>
                           <a:cs typeface="Times New Roman"/>
                         </a:rPr>
                         <a:t>const char* help,</a:t>
                       </a:r>
-                      <a:endParaRPr lang="ru-RU" sz="1300" kern="50">
+                      <a:endParaRPr lang="ru-RU" sz="1300" kern="50" dirty="0">
                         <a:latin typeface="Consolas"/>
                         <a:ea typeface="WenQuanYi Micro Hei"/>
                         <a:cs typeface="Times New Roman"/>
@@ -11774,30 +10994,6 @@
           </a:graphicData>
         </a:graphic>
       </p:graphicFrame>
-      <p:sp>
-        <p:nvSpPr>
-          <p:cNvPr id="16" name="Номер слайда 15"/>
-          <p:cNvSpPr>
-            <a:spLocks noGrp="1"/>
-          </p:cNvSpPr>
-          <p:nvPr>
-            <p:ph type="sldNum" sz="quarter" idx="12"/>
-          </p:nvPr>
-        </p:nvSpPr>
-        <p:spPr/>
-        <p:txBody>
-          <a:bodyPr/>
-          <a:lstStyle/>
-          <a:p>
-            <a:fld id="{F2BB55FB-146C-47F1-A3F4-E5E9F11C5D2A}" type="slidenum">
-              <a:rPr lang="ru-RU" smtClean="0"/>
-              <a:pPr/>
-              <a:t>4</a:t>
-            </a:fld>
-            <a:endParaRPr lang="ru-RU"/>
-          </a:p>
-        </p:txBody>
-      </p:sp>
     </p:spTree>
   </p:cSld>
   <p:clrMapOvr>
@@ -11832,42 +11028,6 @@
       </p:grpSpPr>
       <p:sp>
         <p:nvSpPr>
-          <p:cNvPr id="2" name="Заголовок 1"/>
-          <p:cNvSpPr>
-            <a:spLocks noGrp="1"/>
-          </p:cNvSpPr>
-          <p:nvPr>
-            <p:ph type="title"/>
-          </p:nvPr>
-        </p:nvSpPr>
-        <p:spPr>
-          <a:xfrm>
-            <a:off x="0" y="857232"/>
-            <a:ext cx="9144000" cy="500058"/>
-          </a:xfrm>
-        </p:spPr>
-        <p:txBody>
-          <a:bodyPr>
-            <a:normAutofit/>
-          </a:bodyPr>
-          <a:lstStyle/>
-          <a:p>
-            <a:r>
-              <a:rPr lang="ru-RU" sz="2600" dirty="0" smtClean="0">
-                <a:latin typeface="Times New Roman" pitchFamily="18" charset="0"/>
-                <a:cs typeface="Times New Roman" pitchFamily="18" charset="0"/>
-              </a:rPr>
-              <a:t>Функции получения входных параметров</a:t>
-            </a:r>
-            <a:endParaRPr lang="ru-RU" sz="2600" dirty="0">
-              <a:latin typeface="Times New Roman" pitchFamily="18" charset="0"/>
-              <a:cs typeface="Times New Roman" pitchFamily="18" charset="0"/>
-            </a:endParaRPr>
-          </a:p>
-        </p:txBody>
-      </p:sp>
-      <p:sp>
-        <p:nvSpPr>
           <p:cNvPr id="5" name="Содержимое 4"/>
           <p:cNvSpPr>
             <a:spLocks noGrp="1"/>
@@ -11878,7 +11038,7 @@
         </p:nvSpPr>
         <p:spPr>
           <a:xfrm>
-            <a:off x="214282" y="1600201"/>
+            <a:off x="214282" y="2077113"/>
             <a:ext cx="8929718" cy="2114551"/>
           </a:xfrm>
         </p:spPr>
@@ -12191,7 +11351,7 @@
         </p:nvSpPr>
         <p:spPr>
           <a:xfrm>
-            <a:off x="285720" y="4364188"/>
+            <a:off x="285720" y="4841100"/>
             <a:ext cx="1638077" cy="1231106"/>
           </a:xfrm>
           <a:prstGeom prst="rect">
@@ -12344,7 +11504,7 @@
         </p:nvSpPr>
         <p:spPr>
           <a:xfrm>
-            <a:off x="214282" y="3714752"/>
+            <a:off x="214282" y="4191664"/>
             <a:ext cx="3548344" cy="523220"/>
           </a:xfrm>
           <a:prstGeom prst="rect">
@@ -12385,7 +11545,7 @@
         </p:nvSpPr>
         <p:spPr>
           <a:xfrm>
-            <a:off x="214282" y="3143248"/>
+            <a:off x="214282" y="3620160"/>
             <a:ext cx="4547014" cy="523220"/>
           </a:xfrm>
           <a:prstGeom prst="rect">
@@ -13203,470 +12363,6 @@
           </a:p>
         </p:txBody>
       </p:sp>
-      <p:sp>
-        <p:nvSpPr>
-          <p:cNvPr id="42" name="Блок-схема: знак завершения 41"/>
-          <p:cNvSpPr/>
-          <p:nvPr/>
-        </p:nvSpPr>
-        <p:spPr>
-          <a:xfrm>
-            <a:off x="1714480" y="500042"/>
-            <a:ext cx="1643074" cy="214314"/>
-          </a:xfrm>
-          <a:prstGeom prst="flowChartTerminator">
-            <a:avLst/>
-          </a:prstGeom>
-          <a:noFill/>
-          <a:ln>
-            <a:solidFill>
-              <a:schemeClr val="tx1"/>
-            </a:solidFill>
-          </a:ln>
-        </p:spPr>
-        <p:style>
-          <a:lnRef idx="2">
-            <a:schemeClr val="accent1">
-              <a:shade val="50000"/>
-            </a:schemeClr>
-          </a:lnRef>
-          <a:fillRef idx="1">
-            <a:schemeClr val="accent1"/>
-          </a:fillRef>
-          <a:effectRef idx="0">
-            <a:schemeClr val="accent1"/>
-          </a:effectRef>
-          <a:fontRef idx="minor">
-            <a:schemeClr val="lt1"/>
-          </a:fontRef>
-        </p:style>
-        <p:txBody>
-          <a:bodyPr rtlCol="0" anchor="ctr"/>
-          <a:lstStyle/>
-          <a:p>
-            <a:pPr algn="ctr"/>
-            <a:r>
-              <a:rPr lang="ru-RU" sz="1200" dirty="0" smtClean="0">
-                <a:solidFill>
-                  <a:schemeClr val="tx1"/>
-                </a:solidFill>
-                <a:latin typeface="Times New Roman" pitchFamily="18" charset="0"/>
-                <a:cs typeface="Times New Roman" pitchFamily="18" charset="0"/>
-              </a:rPr>
-              <a:t>Инициализация</a:t>
-            </a:r>
-          </a:p>
-        </p:txBody>
-      </p:sp>
-      <p:sp>
-        <p:nvSpPr>
-          <p:cNvPr id="43" name="Блок-схема: знак завершения 42"/>
-          <p:cNvSpPr/>
-          <p:nvPr/>
-        </p:nvSpPr>
-        <p:spPr>
-          <a:xfrm>
-            <a:off x="3714744" y="142852"/>
-            <a:ext cx="1643074" cy="214314"/>
-          </a:xfrm>
-          <a:prstGeom prst="flowChartTerminator">
-            <a:avLst/>
-          </a:prstGeom>
-          <a:solidFill>
-            <a:schemeClr val="bg1"/>
-          </a:solidFill>
-          <a:ln>
-            <a:solidFill>
-              <a:schemeClr val="tx1"/>
-            </a:solidFill>
-          </a:ln>
-        </p:spPr>
-        <p:style>
-          <a:lnRef idx="2">
-            <a:schemeClr val="accent1">
-              <a:shade val="50000"/>
-            </a:schemeClr>
-          </a:lnRef>
-          <a:fillRef idx="1">
-            <a:schemeClr val="accent1"/>
-          </a:fillRef>
-          <a:effectRef idx="0">
-            <a:schemeClr val="accent1"/>
-          </a:effectRef>
-          <a:fontRef idx="minor">
-            <a:schemeClr val="lt1"/>
-          </a:fontRef>
-        </p:style>
-        <p:txBody>
-          <a:bodyPr rtlCol="0" anchor="ctr"/>
-          <a:lstStyle/>
-          <a:p>
-            <a:pPr algn="ctr"/>
-            <a:r>
-              <a:rPr lang="ru-RU" sz="1200" dirty="0" smtClean="0">
-                <a:solidFill>
-                  <a:schemeClr val="tx1"/>
-                </a:solidFill>
-                <a:latin typeface="Times New Roman" pitchFamily="18" charset="0"/>
-                <a:cs typeface="Times New Roman" pitchFamily="18" charset="0"/>
-              </a:rPr>
-              <a:t>Работа с ошибками</a:t>
-            </a:r>
-          </a:p>
-        </p:txBody>
-      </p:sp>
-      <p:sp>
-        <p:nvSpPr>
-          <p:cNvPr id="44" name="Блок-схема: знак завершения 43"/>
-          <p:cNvSpPr/>
-          <p:nvPr/>
-        </p:nvSpPr>
-        <p:spPr>
-          <a:xfrm>
-            <a:off x="3714744" y="500042"/>
-            <a:ext cx="1643074" cy="214314"/>
-          </a:xfrm>
-          <a:prstGeom prst="flowChartTerminator">
-            <a:avLst/>
-          </a:prstGeom>
-          <a:solidFill>
-            <a:schemeClr val="accent3">
-              <a:lumMod val="60000"/>
-              <a:lumOff val="40000"/>
-            </a:schemeClr>
-          </a:solidFill>
-          <a:ln>
-            <a:solidFill>
-              <a:schemeClr val="tx1"/>
-            </a:solidFill>
-          </a:ln>
-        </p:spPr>
-        <p:style>
-          <a:lnRef idx="2">
-            <a:schemeClr val="accent1">
-              <a:shade val="50000"/>
-            </a:schemeClr>
-          </a:lnRef>
-          <a:fillRef idx="1">
-            <a:schemeClr val="accent1"/>
-          </a:fillRef>
-          <a:effectRef idx="0">
-            <a:schemeClr val="accent1"/>
-          </a:effectRef>
-          <a:fontRef idx="minor">
-            <a:schemeClr val="lt1"/>
-          </a:fontRef>
-        </p:style>
-        <p:txBody>
-          <a:bodyPr rtlCol="0" anchor="ctr"/>
-          <a:lstStyle/>
-          <a:p>
-            <a:pPr algn="ctr"/>
-            <a:r>
-              <a:rPr lang="en-US" sz="1200" dirty="0" smtClean="0">
-                <a:solidFill>
-                  <a:schemeClr val="tx1"/>
-                </a:solidFill>
-                <a:latin typeface="Times New Roman" pitchFamily="18" charset="0"/>
-                <a:cs typeface="Times New Roman" pitchFamily="18" charset="0"/>
-              </a:rPr>
-              <a:t>C</a:t>
-            </a:r>
-            <a:r>
-              <a:rPr lang="ru-RU" sz="1200" dirty="0" smtClean="0">
-                <a:solidFill>
-                  <a:schemeClr val="tx1"/>
-                </a:solidFill>
-                <a:latin typeface="Times New Roman" pitchFamily="18" charset="0"/>
-                <a:cs typeface="Times New Roman" pitchFamily="18" charset="0"/>
-              </a:rPr>
-              <a:t>бор параметров</a:t>
-            </a:r>
-          </a:p>
-        </p:txBody>
-      </p:sp>
-      <p:sp>
-        <p:nvSpPr>
-          <p:cNvPr id="45" name="Блок-схема: знак завершения 44"/>
-          <p:cNvSpPr/>
-          <p:nvPr/>
-        </p:nvSpPr>
-        <p:spPr>
-          <a:xfrm>
-            <a:off x="5715008" y="500042"/>
-            <a:ext cx="1643074" cy="214314"/>
-          </a:xfrm>
-          <a:prstGeom prst="flowChartTerminator">
-            <a:avLst/>
-          </a:prstGeom>
-          <a:solidFill>
-            <a:schemeClr val="bg1"/>
-          </a:solidFill>
-          <a:ln>
-            <a:solidFill>
-              <a:schemeClr val="tx1"/>
-            </a:solidFill>
-          </a:ln>
-        </p:spPr>
-        <p:style>
-          <a:lnRef idx="2">
-            <a:schemeClr val="accent1">
-              <a:shade val="50000"/>
-            </a:schemeClr>
-          </a:lnRef>
-          <a:fillRef idx="1">
-            <a:schemeClr val="accent1"/>
-          </a:fillRef>
-          <a:effectRef idx="0">
-            <a:schemeClr val="accent1"/>
-          </a:effectRef>
-          <a:fontRef idx="minor">
-            <a:schemeClr val="lt1"/>
-          </a:fontRef>
-        </p:style>
-        <p:txBody>
-          <a:bodyPr rtlCol="0" anchor="ctr"/>
-          <a:lstStyle/>
-          <a:p>
-            <a:pPr algn="ctr"/>
-            <a:r>
-              <a:rPr lang="ru-RU" sz="1200" dirty="0" smtClean="0">
-                <a:solidFill>
-                  <a:schemeClr val="tx1"/>
-                </a:solidFill>
-                <a:latin typeface="Times New Roman" pitchFamily="18" charset="0"/>
-                <a:cs typeface="Times New Roman" pitchFamily="18" charset="0"/>
-              </a:rPr>
-              <a:t>Вывод</a:t>
-            </a:r>
-          </a:p>
-        </p:txBody>
-      </p:sp>
-      <p:cxnSp>
-        <p:nvCxnSpPr>
-          <p:cNvPr id="46" name="Shape 45"/>
-          <p:cNvCxnSpPr>
-            <a:stCxn id="42" idx="0"/>
-            <a:endCxn id="43" idx="1"/>
-          </p:cNvCxnSpPr>
-          <p:nvPr/>
-        </p:nvCxnSpPr>
-        <p:spPr>
-          <a:xfrm rot="5400000" flipH="1" flipV="1">
-            <a:off x="3000364" y="-214337"/>
-            <a:ext cx="250033" cy="1178727"/>
-          </a:xfrm>
-          <a:prstGeom prst="curvedConnector2">
-            <a:avLst/>
-          </a:prstGeom>
-          <a:ln>
-            <a:solidFill>
-              <a:schemeClr val="tx1"/>
-            </a:solidFill>
-            <a:tailEnd type="arrow"/>
-          </a:ln>
-        </p:spPr>
-        <p:style>
-          <a:lnRef idx="1">
-            <a:schemeClr val="accent1"/>
-          </a:lnRef>
-          <a:fillRef idx="0">
-            <a:schemeClr val="accent1"/>
-          </a:fillRef>
-          <a:effectRef idx="0">
-            <a:schemeClr val="accent1"/>
-          </a:effectRef>
-          <a:fontRef idx="minor">
-            <a:schemeClr val="tx1"/>
-          </a:fontRef>
-        </p:style>
-      </p:cxnSp>
-      <p:cxnSp>
-        <p:nvCxnSpPr>
-          <p:cNvPr id="47" name="Скругленная соединительная линия 46"/>
-          <p:cNvCxnSpPr>
-            <a:stCxn id="42" idx="3"/>
-            <a:endCxn id="44" idx="1"/>
-          </p:cNvCxnSpPr>
-          <p:nvPr/>
-        </p:nvCxnSpPr>
-        <p:spPr>
-          <a:xfrm>
-            <a:off x="3357554" y="607199"/>
-            <a:ext cx="357190" cy="1588"/>
-          </a:xfrm>
-          <a:prstGeom prst="curvedConnector3">
-            <a:avLst>
-              <a:gd name="adj1" fmla="val 50000"/>
-            </a:avLst>
-          </a:prstGeom>
-          <a:ln>
-            <a:solidFill>
-              <a:schemeClr val="tx1"/>
-            </a:solidFill>
-            <a:tailEnd type="arrow"/>
-          </a:ln>
-        </p:spPr>
-        <p:style>
-          <a:lnRef idx="1">
-            <a:schemeClr val="accent1"/>
-          </a:lnRef>
-          <a:fillRef idx="0">
-            <a:schemeClr val="accent1"/>
-          </a:fillRef>
-          <a:effectRef idx="0">
-            <a:schemeClr val="accent1"/>
-          </a:effectRef>
-          <a:fontRef idx="minor">
-            <a:schemeClr val="tx1"/>
-          </a:fontRef>
-        </p:style>
-      </p:cxnSp>
-      <p:cxnSp>
-        <p:nvCxnSpPr>
-          <p:cNvPr id="48" name="Скругленная соединительная линия 47"/>
-          <p:cNvCxnSpPr>
-            <a:stCxn id="44" idx="3"/>
-            <a:endCxn id="45" idx="1"/>
-          </p:cNvCxnSpPr>
-          <p:nvPr/>
-        </p:nvCxnSpPr>
-        <p:spPr>
-          <a:xfrm>
-            <a:off x="5357818" y="607199"/>
-            <a:ext cx="357190" cy="1588"/>
-          </a:xfrm>
-          <a:prstGeom prst="curvedConnector3">
-            <a:avLst>
-              <a:gd name="adj1" fmla="val 50000"/>
-            </a:avLst>
-          </a:prstGeom>
-          <a:ln>
-            <a:solidFill>
-              <a:schemeClr val="tx1"/>
-            </a:solidFill>
-            <a:tailEnd type="arrow"/>
-          </a:ln>
-        </p:spPr>
-        <p:style>
-          <a:lnRef idx="1">
-            <a:schemeClr val="accent1"/>
-          </a:lnRef>
-          <a:fillRef idx="0">
-            <a:schemeClr val="accent1"/>
-          </a:fillRef>
-          <a:effectRef idx="0">
-            <a:schemeClr val="accent1"/>
-          </a:effectRef>
-          <a:fontRef idx="minor">
-            <a:schemeClr val="tx1"/>
-          </a:fontRef>
-        </p:style>
-      </p:cxnSp>
-      <p:cxnSp>
-        <p:nvCxnSpPr>
-          <p:cNvPr id="49" name="Shape 20"/>
-          <p:cNvCxnSpPr>
-            <a:stCxn id="44" idx="0"/>
-            <a:endCxn id="43" idx="2"/>
-          </p:cNvCxnSpPr>
-          <p:nvPr/>
-        </p:nvCxnSpPr>
-        <p:spPr>
-          <a:xfrm rot="5400000" flipH="1" flipV="1">
-            <a:off x="4464843" y="428604"/>
-            <a:ext cx="142876" cy="1588"/>
-          </a:xfrm>
-          <a:prstGeom prst="curvedConnector3">
-            <a:avLst>
-              <a:gd name="adj1" fmla="val 50000"/>
-            </a:avLst>
-          </a:prstGeom>
-          <a:ln>
-            <a:solidFill>
-              <a:schemeClr val="tx1"/>
-            </a:solidFill>
-            <a:tailEnd type="arrow"/>
-          </a:ln>
-        </p:spPr>
-        <p:style>
-          <a:lnRef idx="1">
-            <a:schemeClr val="accent1"/>
-          </a:lnRef>
-          <a:fillRef idx="0">
-            <a:schemeClr val="accent1"/>
-          </a:fillRef>
-          <a:effectRef idx="0">
-            <a:schemeClr val="accent1"/>
-          </a:effectRef>
-          <a:fontRef idx="minor">
-            <a:schemeClr val="tx1"/>
-          </a:fontRef>
-        </p:style>
-      </p:cxnSp>
-      <p:cxnSp>
-        <p:nvCxnSpPr>
-          <p:cNvPr id="50" name="Shape 49"/>
-          <p:cNvCxnSpPr>
-            <a:stCxn id="45" idx="0"/>
-            <a:endCxn id="43" idx="3"/>
-          </p:cNvCxnSpPr>
-          <p:nvPr/>
-        </p:nvCxnSpPr>
-        <p:spPr>
-          <a:xfrm rot="16200000" flipV="1">
-            <a:off x="5822166" y="-214338"/>
-            <a:ext cx="250033" cy="1178727"/>
-          </a:xfrm>
-          <a:prstGeom prst="curvedConnector2">
-            <a:avLst/>
-          </a:prstGeom>
-          <a:ln>
-            <a:solidFill>
-              <a:schemeClr val="tx1"/>
-            </a:solidFill>
-            <a:tailEnd type="arrow"/>
-          </a:ln>
-        </p:spPr>
-        <p:style>
-          <a:lnRef idx="1">
-            <a:schemeClr val="accent1"/>
-          </a:lnRef>
-          <a:fillRef idx="0">
-            <a:schemeClr val="accent1"/>
-          </a:fillRef>
-          <a:effectRef idx="0">
-            <a:schemeClr val="accent1"/>
-          </a:effectRef>
-          <a:fontRef idx="minor">
-            <a:schemeClr val="tx1"/>
-          </a:fontRef>
-        </p:style>
-      </p:cxnSp>
-      <p:sp>
-        <p:nvSpPr>
-          <p:cNvPr id="18" name="Номер слайда 17"/>
-          <p:cNvSpPr>
-            <a:spLocks noGrp="1"/>
-          </p:cNvSpPr>
-          <p:nvPr>
-            <p:ph type="sldNum" sz="quarter" idx="12"/>
-          </p:nvPr>
-        </p:nvSpPr>
-        <p:spPr/>
-        <p:txBody>
-          <a:bodyPr/>
-          <a:lstStyle/>
-          <a:p>
-            <a:fld id="{F2BB55FB-146C-47F1-A3F4-E5E9F11C5D2A}" type="slidenum">
-              <a:rPr lang="ru-RU" smtClean="0"/>
-              <a:pPr/>
-              <a:t>5</a:t>
-            </a:fld>
-            <a:endParaRPr lang="ru-RU"/>
-          </a:p>
-        </p:txBody>
-      </p:sp>
     </p:spTree>
   </p:cSld>
   <p:clrMapOvr>
@@ -13699,42 +12395,6 @@
           <a:chExt cx="0" cy="0"/>
         </a:xfrm>
       </p:grpSpPr>
-      <p:sp>
-        <p:nvSpPr>
-          <p:cNvPr id="2" name="Заголовок 1"/>
-          <p:cNvSpPr>
-            <a:spLocks noGrp="1"/>
-          </p:cNvSpPr>
-          <p:nvPr>
-            <p:ph type="title"/>
-          </p:nvPr>
-        </p:nvSpPr>
-        <p:spPr>
-          <a:xfrm>
-            <a:off x="0" y="857232"/>
-            <a:ext cx="9144000" cy="500058"/>
-          </a:xfrm>
-        </p:spPr>
-        <p:txBody>
-          <a:bodyPr>
-            <a:normAutofit/>
-          </a:bodyPr>
-          <a:lstStyle/>
-          <a:p>
-            <a:r>
-              <a:rPr lang="ru-RU" sz="2600" dirty="0" smtClean="0">
-                <a:latin typeface="Times New Roman" pitchFamily="18" charset="0"/>
-                <a:cs typeface="Times New Roman" pitchFamily="18" charset="0"/>
-              </a:rPr>
-              <a:t>Функции получения входных параметров</a:t>
-            </a:r>
-            <a:endParaRPr lang="ru-RU" sz="2600" dirty="0">
-              <a:latin typeface="Times New Roman" pitchFamily="18" charset="0"/>
-              <a:cs typeface="Times New Roman" pitchFamily="18" charset="0"/>
-            </a:endParaRPr>
-          </a:p>
-        </p:txBody>
-      </p:sp>
       <p:pic>
         <p:nvPicPr>
           <p:cNvPr id="1026" name="Picture 2" descr="C:\Documents and Settings\User\diplom_report\algor\tioGetS.png"/>
@@ -13752,7 +12412,7 @@
         </p:blipFill>
         <p:spPr bwMode="auto">
           <a:xfrm>
-            <a:off x="2606229" y="1316466"/>
+            <a:off x="357158" y="1285860"/>
             <a:ext cx="4214842" cy="5486140"/>
           </a:xfrm>
           <a:prstGeom prst="rect">
@@ -13769,7 +12429,7 @@
         </p:nvSpPr>
         <p:spPr>
           <a:xfrm>
-            <a:off x="571472" y="3786190"/>
+            <a:off x="5000628" y="3786190"/>
             <a:ext cx="2951962" cy="369332"/>
           </a:xfrm>
           <a:prstGeom prst="rect">
@@ -13801,470 +12461,6 @@
               <a:latin typeface="+mj-lt"/>
               <a:cs typeface="Times New Roman" pitchFamily="18" charset="0"/>
             </a:endParaRPr>
-          </a:p>
-        </p:txBody>
-      </p:sp>
-      <p:sp>
-        <p:nvSpPr>
-          <p:cNvPr id="18" name="Блок-схема: знак завершения 17"/>
-          <p:cNvSpPr/>
-          <p:nvPr/>
-        </p:nvSpPr>
-        <p:spPr>
-          <a:xfrm>
-            <a:off x="1714480" y="500042"/>
-            <a:ext cx="1643074" cy="214314"/>
-          </a:xfrm>
-          <a:prstGeom prst="flowChartTerminator">
-            <a:avLst/>
-          </a:prstGeom>
-          <a:noFill/>
-          <a:ln>
-            <a:solidFill>
-              <a:schemeClr val="tx1"/>
-            </a:solidFill>
-          </a:ln>
-        </p:spPr>
-        <p:style>
-          <a:lnRef idx="2">
-            <a:schemeClr val="accent1">
-              <a:shade val="50000"/>
-            </a:schemeClr>
-          </a:lnRef>
-          <a:fillRef idx="1">
-            <a:schemeClr val="accent1"/>
-          </a:fillRef>
-          <a:effectRef idx="0">
-            <a:schemeClr val="accent1"/>
-          </a:effectRef>
-          <a:fontRef idx="minor">
-            <a:schemeClr val="lt1"/>
-          </a:fontRef>
-        </p:style>
-        <p:txBody>
-          <a:bodyPr rtlCol="0" anchor="ctr"/>
-          <a:lstStyle/>
-          <a:p>
-            <a:pPr algn="ctr"/>
-            <a:r>
-              <a:rPr lang="ru-RU" sz="1200" dirty="0" smtClean="0">
-                <a:solidFill>
-                  <a:schemeClr val="tx1"/>
-                </a:solidFill>
-                <a:latin typeface="Times New Roman" pitchFamily="18" charset="0"/>
-                <a:cs typeface="Times New Roman" pitchFamily="18" charset="0"/>
-              </a:rPr>
-              <a:t>Инициализация</a:t>
-            </a:r>
-          </a:p>
-        </p:txBody>
-      </p:sp>
-      <p:sp>
-        <p:nvSpPr>
-          <p:cNvPr id="20" name="Блок-схема: знак завершения 19"/>
-          <p:cNvSpPr/>
-          <p:nvPr/>
-        </p:nvSpPr>
-        <p:spPr>
-          <a:xfrm>
-            <a:off x="3714744" y="142852"/>
-            <a:ext cx="1643074" cy="214314"/>
-          </a:xfrm>
-          <a:prstGeom prst="flowChartTerminator">
-            <a:avLst/>
-          </a:prstGeom>
-          <a:solidFill>
-            <a:schemeClr val="bg1"/>
-          </a:solidFill>
-          <a:ln>
-            <a:solidFill>
-              <a:schemeClr val="tx1"/>
-            </a:solidFill>
-          </a:ln>
-        </p:spPr>
-        <p:style>
-          <a:lnRef idx="2">
-            <a:schemeClr val="accent1">
-              <a:shade val="50000"/>
-            </a:schemeClr>
-          </a:lnRef>
-          <a:fillRef idx="1">
-            <a:schemeClr val="accent1"/>
-          </a:fillRef>
-          <a:effectRef idx="0">
-            <a:schemeClr val="accent1"/>
-          </a:effectRef>
-          <a:fontRef idx="minor">
-            <a:schemeClr val="lt1"/>
-          </a:fontRef>
-        </p:style>
-        <p:txBody>
-          <a:bodyPr rtlCol="0" anchor="ctr"/>
-          <a:lstStyle/>
-          <a:p>
-            <a:pPr algn="ctr"/>
-            <a:r>
-              <a:rPr lang="ru-RU" sz="1200" dirty="0" smtClean="0">
-                <a:solidFill>
-                  <a:schemeClr val="tx1"/>
-                </a:solidFill>
-                <a:latin typeface="Times New Roman" pitchFamily="18" charset="0"/>
-                <a:cs typeface="Times New Roman" pitchFamily="18" charset="0"/>
-              </a:rPr>
-              <a:t>Работа с ошибками</a:t>
-            </a:r>
-          </a:p>
-        </p:txBody>
-      </p:sp>
-      <p:sp>
-        <p:nvSpPr>
-          <p:cNvPr id="22" name="Блок-схема: знак завершения 21"/>
-          <p:cNvSpPr/>
-          <p:nvPr/>
-        </p:nvSpPr>
-        <p:spPr>
-          <a:xfrm>
-            <a:off x="3714744" y="500042"/>
-            <a:ext cx="1643074" cy="214314"/>
-          </a:xfrm>
-          <a:prstGeom prst="flowChartTerminator">
-            <a:avLst/>
-          </a:prstGeom>
-          <a:solidFill>
-            <a:schemeClr val="accent3">
-              <a:lumMod val="60000"/>
-              <a:lumOff val="40000"/>
-            </a:schemeClr>
-          </a:solidFill>
-          <a:ln>
-            <a:solidFill>
-              <a:schemeClr val="tx1"/>
-            </a:solidFill>
-          </a:ln>
-        </p:spPr>
-        <p:style>
-          <a:lnRef idx="2">
-            <a:schemeClr val="accent1">
-              <a:shade val="50000"/>
-            </a:schemeClr>
-          </a:lnRef>
-          <a:fillRef idx="1">
-            <a:schemeClr val="accent1"/>
-          </a:fillRef>
-          <a:effectRef idx="0">
-            <a:schemeClr val="accent1"/>
-          </a:effectRef>
-          <a:fontRef idx="minor">
-            <a:schemeClr val="lt1"/>
-          </a:fontRef>
-        </p:style>
-        <p:txBody>
-          <a:bodyPr rtlCol="0" anchor="ctr"/>
-          <a:lstStyle/>
-          <a:p>
-            <a:pPr algn="ctr"/>
-            <a:r>
-              <a:rPr lang="en-US" sz="1200" dirty="0" smtClean="0">
-                <a:solidFill>
-                  <a:schemeClr val="tx1"/>
-                </a:solidFill>
-                <a:latin typeface="Times New Roman" pitchFamily="18" charset="0"/>
-                <a:cs typeface="Times New Roman" pitchFamily="18" charset="0"/>
-              </a:rPr>
-              <a:t>C</a:t>
-            </a:r>
-            <a:r>
-              <a:rPr lang="ru-RU" sz="1200" dirty="0" smtClean="0">
-                <a:solidFill>
-                  <a:schemeClr val="tx1"/>
-                </a:solidFill>
-                <a:latin typeface="Times New Roman" pitchFamily="18" charset="0"/>
-                <a:cs typeface="Times New Roman" pitchFamily="18" charset="0"/>
-              </a:rPr>
-              <a:t>бор параметров</a:t>
-            </a:r>
-          </a:p>
-        </p:txBody>
-      </p:sp>
-      <p:sp>
-        <p:nvSpPr>
-          <p:cNvPr id="24" name="Блок-схема: знак завершения 23"/>
-          <p:cNvSpPr/>
-          <p:nvPr/>
-        </p:nvSpPr>
-        <p:spPr>
-          <a:xfrm>
-            <a:off x="5715008" y="500042"/>
-            <a:ext cx="1643074" cy="214314"/>
-          </a:xfrm>
-          <a:prstGeom prst="flowChartTerminator">
-            <a:avLst/>
-          </a:prstGeom>
-          <a:solidFill>
-            <a:schemeClr val="bg1"/>
-          </a:solidFill>
-          <a:ln>
-            <a:solidFill>
-              <a:schemeClr val="tx1"/>
-            </a:solidFill>
-          </a:ln>
-        </p:spPr>
-        <p:style>
-          <a:lnRef idx="2">
-            <a:schemeClr val="accent1">
-              <a:shade val="50000"/>
-            </a:schemeClr>
-          </a:lnRef>
-          <a:fillRef idx="1">
-            <a:schemeClr val="accent1"/>
-          </a:fillRef>
-          <a:effectRef idx="0">
-            <a:schemeClr val="accent1"/>
-          </a:effectRef>
-          <a:fontRef idx="minor">
-            <a:schemeClr val="lt1"/>
-          </a:fontRef>
-        </p:style>
-        <p:txBody>
-          <a:bodyPr rtlCol="0" anchor="ctr"/>
-          <a:lstStyle/>
-          <a:p>
-            <a:pPr algn="ctr"/>
-            <a:r>
-              <a:rPr lang="ru-RU" sz="1200" dirty="0" smtClean="0">
-                <a:solidFill>
-                  <a:schemeClr val="tx1"/>
-                </a:solidFill>
-                <a:latin typeface="Times New Roman" pitchFamily="18" charset="0"/>
-                <a:cs typeface="Times New Roman" pitchFamily="18" charset="0"/>
-              </a:rPr>
-              <a:t>Вывод</a:t>
-            </a:r>
-          </a:p>
-        </p:txBody>
-      </p:sp>
-      <p:cxnSp>
-        <p:nvCxnSpPr>
-          <p:cNvPr id="26" name="Shape 25"/>
-          <p:cNvCxnSpPr>
-            <a:stCxn id="18" idx="0"/>
-            <a:endCxn id="20" idx="1"/>
-          </p:cNvCxnSpPr>
-          <p:nvPr/>
-        </p:nvCxnSpPr>
-        <p:spPr>
-          <a:xfrm rot="5400000" flipH="1" flipV="1">
-            <a:off x="3000364" y="-214337"/>
-            <a:ext cx="250033" cy="1178727"/>
-          </a:xfrm>
-          <a:prstGeom prst="curvedConnector2">
-            <a:avLst/>
-          </a:prstGeom>
-          <a:ln>
-            <a:solidFill>
-              <a:schemeClr val="tx1"/>
-            </a:solidFill>
-            <a:tailEnd type="arrow"/>
-          </a:ln>
-        </p:spPr>
-        <p:style>
-          <a:lnRef idx="1">
-            <a:schemeClr val="accent1"/>
-          </a:lnRef>
-          <a:fillRef idx="0">
-            <a:schemeClr val="accent1"/>
-          </a:fillRef>
-          <a:effectRef idx="0">
-            <a:schemeClr val="accent1"/>
-          </a:effectRef>
-          <a:fontRef idx="minor">
-            <a:schemeClr val="tx1"/>
-          </a:fontRef>
-        </p:style>
-      </p:cxnSp>
-      <p:cxnSp>
-        <p:nvCxnSpPr>
-          <p:cNvPr id="27" name="Скругленная соединительная линия 26"/>
-          <p:cNvCxnSpPr>
-            <a:stCxn id="18" idx="3"/>
-            <a:endCxn id="22" idx="1"/>
-          </p:cNvCxnSpPr>
-          <p:nvPr/>
-        </p:nvCxnSpPr>
-        <p:spPr>
-          <a:xfrm>
-            <a:off x="3357554" y="607199"/>
-            <a:ext cx="357190" cy="1588"/>
-          </a:xfrm>
-          <a:prstGeom prst="curvedConnector3">
-            <a:avLst>
-              <a:gd name="adj1" fmla="val 50000"/>
-            </a:avLst>
-          </a:prstGeom>
-          <a:ln>
-            <a:solidFill>
-              <a:schemeClr val="tx1"/>
-            </a:solidFill>
-            <a:tailEnd type="arrow"/>
-          </a:ln>
-        </p:spPr>
-        <p:style>
-          <a:lnRef idx="1">
-            <a:schemeClr val="accent1"/>
-          </a:lnRef>
-          <a:fillRef idx="0">
-            <a:schemeClr val="accent1"/>
-          </a:fillRef>
-          <a:effectRef idx="0">
-            <a:schemeClr val="accent1"/>
-          </a:effectRef>
-          <a:fontRef idx="minor">
-            <a:schemeClr val="tx1"/>
-          </a:fontRef>
-        </p:style>
-      </p:cxnSp>
-      <p:cxnSp>
-        <p:nvCxnSpPr>
-          <p:cNvPr id="28" name="Скругленная соединительная линия 27"/>
-          <p:cNvCxnSpPr>
-            <a:stCxn id="22" idx="3"/>
-            <a:endCxn id="24" idx="1"/>
-          </p:cNvCxnSpPr>
-          <p:nvPr/>
-        </p:nvCxnSpPr>
-        <p:spPr>
-          <a:xfrm>
-            <a:off x="5357818" y="607199"/>
-            <a:ext cx="357190" cy="1588"/>
-          </a:xfrm>
-          <a:prstGeom prst="curvedConnector3">
-            <a:avLst>
-              <a:gd name="adj1" fmla="val 50000"/>
-            </a:avLst>
-          </a:prstGeom>
-          <a:ln>
-            <a:solidFill>
-              <a:schemeClr val="tx1"/>
-            </a:solidFill>
-            <a:tailEnd type="arrow"/>
-          </a:ln>
-        </p:spPr>
-        <p:style>
-          <a:lnRef idx="1">
-            <a:schemeClr val="accent1"/>
-          </a:lnRef>
-          <a:fillRef idx="0">
-            <a:schemeClr val="accent1"/>
-          </a:fillRef>
-          <a:effectRef idx="0">
-            <a:schemeClr val="accent1"/>
-          </a:effectRef>
-          <a:fontRef idx="minor">
-            <a:schemeClr val="tx1"/>
-          </a:fontRef>
-        </p:style>
-      </p:cxnSp>
-      <p:cxnSp>
-        <p:nvCxnSpPr>
-          <p:cNvPr id="29" name="Shape 20"/>
-          <p:cNvCxnSpPr>
-            <a:stCxn id="22" idx="0"/>
-            <a:endCxn id="20" idx="2"/>
-          </p:cNvCxnSpPr>
-          <p:nvPr/>
-        </p:nvCxnSpPr>
-        <p:spPr>
-          <a:xfrm rot="5400000" flipH="1" flipV="1">
-            <a:off x="4464843" y="428604"/>
-            <a:ext cx="142876" cy="1588"/>
-          </a:xfrm>
-          <a:prstGeom prst="curvedConnector3">
-            <a:avLst>
-              <a:gd name="adj1" fmla="val 50000"/>
-            </a:avLst>
-          </a:prstGeom>
-          <a:ln>
-            <a:solidFill>
-              <a:schemeClr val="tx1"/>
-            </a:solidFill>
-            <a:tailEnd type="arrow"/>
-          </a:ln>
-        </p:spPr>
-        <p:style>
-          <a:lnRef idx="1">
-            <a:schemeClr val="accent1"/>
-          </a:lnRef>
-          <a:fillRef idx="0">
-            <a:schemeClr val="accent1"/>
-          </a:fillRef>
-          <a:effectRef idx="0">
-            <a:schemeClr val="accent1"/>
-          </a:effectRef>
-          <a:fontRef idx="minor">
-            <a:schemeClr val="tx1"/>
-          </a:fontRef>
-        </p:style>
-      </p:cxnSp>
-      <p:cxnSp>
-        <p:nvCxnSpPr>
-          <p:cNvPr id="30" name="Shape 29"/>
-          <p:cNvCxnSpPr>
-            <a:stCxn id="24" idx="0"/>
-            <a:endCxn id="20" idx="3"/>
-          </p:cNvCxnSpPr>
-          <p:nvPr/>
-        </p:nvCxnSpPr>
-        <p:spPr>
-          <a:xfrm rot="16200000" flipV="1">
-            <a:off x="5822166" y="-214338"/>
-            <a:ext cx="250033" cy="1178727"/>
-          </a:xfrm>
-          <a:prstGeom prst="curvedConnector2">
-            <a:avLst/>
-          </a:prstGeom>
-          <a:ln>
-            <a:solidFill>
-              <a:schemeClr val="tx1"/>
-            </a:solidFill>
-            <a:tailEnd type="arrow"/>
-          </a:ln>
-        </p:spPr>
-        <p:style>
-          <a:lnRef idx="1">
-            <a:schemeClr val="accent1"/>
-          </a:lnRef>
-          <a:fillRef idx="0">
-            <a:schemeClr val="accent1"/>
-          </a:fillRef>
-          <a:effectRef idx="0">
-            <a:schemeClr val="accent1"/>
-          </a:effectRef>
-          <a:fontRef idx="minor">
-            <a:schemeClr val="tx1"/>
-          </a:fontRef>
-        </p:style>
-      </p:cxnSp>
-      <p:sp>
-        <p:nvSpPr>
-          <p:cNvPr id="14" name="Номер слайда 13"/>
-          <p:cNvSpPr>
-            <a:spLocks noGrp="1"/>
-          </p:cNvSpPr>
-          <p:nvPr>
-            <p:ph type="sldNum" sz="quarter" idx="12"/>
-          </p:nvPr>
-        </p:nvSpPr>
-        <p:spPr/>
-        <p:txBody>
-          <a:bodyPr/>
-          <a:lstStyle/>
-          <a:p>
-            <a:fld id="{F2BB55FB-146C-47F1-A3F4-E5E9F11C5D2A}" type="slidenum">
-              <a:rPr lang="ru-RU" smtClean="0"/>
-              <a:pPr/>
-              <a:t>6</a:t>
-            </a:fld>
-            <a:endParaRPr lang="ru-RU"/>
           </a:p>
         </p:txBody>
       </p:sp>
@@ -14302,49 +12498,13 @@
       </p:grpSpPr>
       <p:sp>
         <p:nvSpPr>
-          <p:cNvPr id="2" name="Заголовок 1"/>
-          <p:cNvSpPr>
-            <a:spLocks noGrp="1"/>
-          </p:cNvSpPr>
-          <p:nvPr>
-            <p:ph type="title"/>
-          </p:nvPr>
-        </p:nvSpPr>
-        <p:spPr>
-          <a:xfrm>
-            <a:off x="0" y="857232"/>
-            <a:ext cx="9144000" cy="500058"/>
-          </a:xfrm>
-        </p:spPr>
-        <p:txBody>
-          <a:bodyPr>
-            <a:normAutofit/>
-          </a:bodyPr>
-          <a:lstStyle/>
-          <a:p>
-            <a:r>
-              <a:rPr lang="ru-RU" sz="2600" dirty="0" smtClean="0">
-                <a:latin typeface="Times New Roman" pitchFamily="18" charset="0"/>
-                <a:cs typeface="Times New Roman" pitchFamily="18" charset="0"/>
-              </a:rPr>
-              <a:t>Функции работы с ошибками </a:t>
-            </a:r>
-            <a:endParaRPr lang="ru-RU" sz="2600" dirty="0">
-              <a:latin typeface="Times New Roman" pitchFamily="18" charset="0"/>
-              <a:cs typeface="Times New Roman" pitchFamily="18" charset="0"/>
-            </a:endParaRPr>
-          </a:p>
-        </p:txBody>
-      </p:sp>
-      <p:sp>
-        <p:nvSpPr>
           <p:cNvPr id="20" name="TextBox 19"/>
           <p:cNvSpPr txBox="1"/>
           <p:nvPr/>
         </p:nvSpPr>
         <p:spPr>
           <a:xfrm>
-            <a:off x="785786" y="2773916"/>
+            <a:off x="714348" y="3214686"/>
             <a:ext cx="2071701" cy="369332"/>
           </a:xfrm>
           <a:prstGeom prst="rect">
@@ -14389,7 +12549,7 @@
         </p:nvSpPr>
         <p:spPr>
           <a:xfrm>
-            <a:off x="214282" y="1415465"/>
+            <a:off x="403667" y="2058407"/>
             <a:ext cx="4000528" cy="369332"/>
           </a:xfrm>
           <a:prstGeom prst="rect">
@@ -14446,7 +12606,7 @@
         </p:nvSpPr>
         <p:spPr>
           <a:xfrm>
-            <a:off x="5214942" y="1803432"/>
+            <a:off x="5404327" y="2446374"/>
             <a:ext cx="2382383" cy="553998"/>
           </a:xfrm>
           <a:prstGeom prst="rect">
@@ -14516,7 +12676,7 @@
         </p:nvSpPr>
         <p:spPr>
           <a:xfrm>
-            <a:off x="2733085" y="2795620"/>
+            <a:off x="2725990" y="3258105"/>
             <a:ext cx="5753242" cy="307777"/>
           </a:xfrm>
           <a:prstGeom prst="rect">
@@ -14555,7 +12715,7 @@
         </p:nvSpPr>
         <p:spPr>
           <a:xfrm>
-            <a:off x="214314" y="1689075"/>
+            <a:off x="403699" y="2332017"/>
             <a:ext cx="3857652" cy="954107"/>
           </a:xfrm>
           <a:prstGeom prst="rect">
@@ -14628,7 +12788,7 @@
           <p:nvPr/>
         </p:nvGraphicFramePr>
         <p:xfrm>
-          <a:off x="500034" y="3554736"/>
+          <a:off x="500034" y="3929066"/>
           <a:ext cx="3000396" cy="731520"/>
         </p:xfrm>
         <a:graphic>
@@ -15074,7 +13234,7 @@
         </p:nvSpPr>
         <p:spPr>
           <a:xfrm>
-            <a:off x="714348" y="3214686"/>
+            <a:off x="714348" y="3571876"/>
             <a:ext cx="2549609" cy="307777"/>
           </a:xfrm>
           <a:prstGeom prst="rect">
@@ -15107,7 +13267,7 @@
           <p:nvPr/>
         </p:nvGraphicFramePr>
         <p:xfrm>
-          <a:off x="4714876" y="4214818"/>
+          <a:off x="4714876" y="4643446"/>
           <a:ext cx="4071966" cy="1457196"/>
         </p:xfrm>
         <a:graphic>
@@ -15701,7 +13861,7 @@
         </p:nvSpPr>
         <p:spPr>
           <a:xfrm>
-            <a:off x="4643438" y="3857628"/>
+            <a:off x="4643438" y="4286256"/>
             <a:ext cx="4178067" cy="307777"/>
           </a:xfrm>
           <a:prstGeom prst="rect">
@@ -16161,7 +14321,7 @@
         </p:nvSpPr>
         <p:spPr>
           <a:xfrm>
-            <a:off x="5485253" y="1478149"/>
+            <a:off x="5674638" y="2121091"/>
             <a:ext cx="1921039" cy="307777"/>
           </a:xfrm>
           <a:prstGeom prst="rect">
@@ -16193,470 +14353,6 @@
               <a:latin typeface="+mj-lt"/>
               <a:cs typeface="Times New Roman" pitchFamily="18" charset="0"/>
             </a:endParaRPr>
-          </a:p>
-        </p:txBody>
-      </p:sp>
-      <p:sp>
-        <p:nvSpPr>
-          <p:cNvPr id="28" name="Блок-схема: знак завершения 27"/>
-          <p:cNvSpPr/>
-          <p:nvPr/>
-        </p:nvSpPr>
-        <p:spPr>
-          <a:xfrm>
-            <a:off x="1714480" y="500042"/>
-            <a:ext cx="1643074" cy="214314"/>
-          </a:xfrm>
-          <a:prstGeom prst="flowChartTerminator">
-            <a:avLst/>
-          </a:prstGeom>
-          <a:noFill/>
-          <a:ln>
-            <a:solidFill>
-              <a:schemeClr val="tx1"/>
-            </a:solidFill>
-          </a:ln>
-        </p:spPr>
-        <p:style>
-          <a:lnRef idx="2">
-            <a:schemeClr val="accent1">
-              <a:shade val="50000"/>
-            </a:schemeClr>
-          </a:lnRef>
-          <a:fillRef idx="1">
-            <a:schemeClr val="accent1"/>
-          </a:fillRef>
-          <a:effectRef idx="0">
-            <a:schemeClr val="accent1"/>
-          </a:effectRef>
-          <a:fontRef idx="minor">
-            <a:schemeClr val="lt1"/>
-          </a:fontRef>
-        </p:style>
-        <p:txBody>
-          <a:bodyPr rtlCol="0" anchor="ctr"/>
-          <a:lstStyle/>
-          <a:p>
-            <a:pPr algn="ctr"/>
-            <a:r>
-              <a:rPr lang="ru-RU" sz="1200" dirty="0" smtClean="0">
-                <a:solidFill>
-                  <a:schemeClr val="tx1"/>
-                </a:solidFill>
-                <a:latin typeface="Times New Roman" pitchFamily="18" charset="0"/>
-                <a:cs typeface="Times New Roman" pitchFamily="18" charset="0"/>
-              </a:rPr>
-              <a:t>Инициализация</a:t>
-            </a:r>
-          </a:p>
-        </p:txBody>
-      </p:sp>
-      <p:sp>
-        <p:nvSpPr>
-          <p:cNvPr id="29" name="Блок-схема: знак завершения 28"/>
-          <p:cNvSpPr/>
-          <p:nvPr/>
-        </p:nvSpPr>
-        <p:spPr>
-          <a:xfrm>
-            <a:off x="3714744" y="142852"/>
-            <a:ext cx="1643074" cy="214314"/>
-          </a:xfrm>
-          <a:prstGeom prst="flowChartTerminator">
-            <a:avLst/>
-          </a:prstGeom>
-          <a:solidFill>
-            <a:schemeClr val="accent3">
-              <a:lumMod val="60000"/>
-              <a:lumOff val="40000"/>
-            </a:schemeClr>
-          </a:solidFill>
-          <a:ln>
-            <a:solidFill>
-              <a:schemeClr val="tx1"/>
-            </a:solidFill>
-          </a:ln>
-        </p:spPr>
-        <p:style>
-          <a:lnRef idx="2">
-            <a:schemeClr val="accent1">
-              <a:shade val="50000"/>
-            </a:schemeClr>
-          </a:lnRef>
-          <a:fillRef idx="1">
-            <a:schemeClr val="accent1"/>
-          </a:fillRef>
-          <a:effectRef idx="0">
-            <a:schemeClr val="accent1"/>
-          </a:effectRef>
-          <a:fontRef idx="minor">
-            <a:schemeClr val="lt1"/>
-          </a:fontRef>
-        </p:style>
-        <p:txBody>
-          <a:bodyPr rtlCol="0" anchor="ctr"/>
-          <a:lstStyle/>
-          <a:p>
-            <a:pPr algn="ctr"/>
-            <a:r>
-              <a:rPr lang="ru-RU" sz="1200" dirty="0" smtClean="0">
-                <a:solidFill>
-                  <a:schemeClr val="tx1"/>
-                </a:solidFill>
-                <a:latin typeface="Times New Roman" pitchFamily="18" charset="0"/>
-                <a:cs typeface="Times New Roman" pitchFamily="18" charset="0"/>
-              </a:rPr>
-              <a:t>Работа с ошибками</a:t>
-            </a:r>
-          </a:p>
-        </p:txBody>
-      </p:sp>
-      <p:sp>
-        <p:nvSpPr>
-          <p:cNvPr id="31" name="Блок-схема: знак завершения 30"/>
-          <p:cNvSpPr/>
-          <p:nvPr/>
-        </p:nvSpPr>
-        <p:spPr>
-          <a:xfrm>
-            <a:off x="3714744" y="500042"/>
-            <a:ext cx="1643074" cy="214314"/>
-          </a:xfrm>
-          <a:prstGeom prst="flowChartTerminator">
-            <a:avLst/>
-          </a:prstGeom>
-          <a:solidFill>
-            <a:schemeClr val="bg1"/>
-          </a:solidFill>
-          <a:ln>
-            <a:solidFill>
-              <a:schemeClr val="tx1"/>
-            </a:solidFill>
-          </a:ln>
-        </p:spPr>
-        <p:style>
-          <a:lnRef idx="2">
-            <a:schemeClr val="accent1">
-              <a:shade val="50000"/>
-            </a:schemeClr>
-          </a:lnRef>
-          <a:fillRef idx="1">
-            <a:schemeClr val="accent1"/>
-          </a:fillRef>
-          <a:effectRef idx="0">
-            <a:schemeClr val="accent1"/>
-          </a:effectRef>
-          <a:fontRef idx="minor">
-            <a:schemeClr val="lt1"/>
-          </a:fontRef>
-        </p:style>
-        <p:txBody>
-          <a:bodyPr rtlCol="0" anchor="ctr"/>
-          <a:lstStyle/>
-          <a:p>
-            <a:pPr algn="ctr"/>
-            <a:r>
-              <a:rPr lang="en-US" sz="1200" dirty="0" smtClean="0">
-                <a:solidFill>
-                  <a:schemeClr val="tx1"/>
-                </a:solidFill>
-                <a:latin typeface="Times New Roman" pitchFamily="18" charset="0"/>
-                <a:cs typeface="Times New Roman" pitchFamily="18" charset="0"/>
-              </a:rPr>
-              <a:t>C</a:t>
-            </a:r>
-            <a:r>
-              <a:rPr lang="ru-RU" sz="1200" dirty="0" smtClean="0">
-                <a:solidFill>
-                  <a:schemeClr val="tx1"/>
-                </a:solidFill>
-                <a:latin typeface="Times New Roman" pitchFamily="18" charset="0"/>
-                <a:cs typeface="Times New Roman" pitchFamily="18" charset="0"/>
-              </a:rPr>
-              <a:t>бор параметров</a:t>
-            </a:r>
-          </a:p>
-        </p:txBody>
-      </p:sp>
-      <p:sp>
-        <p:nvSpPr>
-          <p:cNvPr id="32" name="Блок-схема: знак завершения 31"/>
-          <p:cNvSpPr/>
-          <p:nvPr/>
-        </p:nvSpPr>
-        <p:spPr>
-          <a:xfrm>
-            <a:off x="5715008" y="500042"/>
-            <a:ext cx="1643074" cy="214314"/>
-          </a:xfrm>
-          <a:prstGeom prst="flowChartTerminator">
-            <a:avLst/>
-          </a:prstGeom>
-          <a:solidFill>
-            <a:schemeClr val="bg1"/>
-          </a:solidFill>
-          <a:ln>
-            <a:solidFill>
-              <a:schemeClr val="tx1"/>
-            </a:solidFill>
-          </a:ln>
-        </p:spPr>
-        <p:style>
-          <a:lnRef idx="2">
-            <a:schemeClr val="accent1">
-              <a:shade val="50000"/>
-            </a:schemeClr>
-          </a:lnRef>
-          <a:fillRef idx="1">
-            <a:schemeClr val="accent1"/>
-          </a:fillRef>
-          <a:effectRef idx="0">
-            <a:schemeClr val="accent1"/>
-          </a:effectRef>
-          <a:fontRef idx="minor">
-            <a:schemeClr val="lt1"/>
-          </a:fontRef>
-        </p:style>
-        <p:txBody>
-          <a:bodyPr rtlCol="0" anchor="ctr"/>
-          <a:lstStyle/>
-          <a:p>
-            <a:pPr algn="ctr"/>
-            <a:r>
-              <a:rPr lang="ru-RU" sz="1200" dirty="0" smtClean="0">
-                <a:solidFill>
-                  <a:schemeClr val="tx1"/>
-                </a:solidFill>
-                <a:latin typeface="Times New Roman" pitchFamily="18" charset="0"/>
-                <a:cs typeface="Times New Roman" pitchFamily="18" charset="0"/>
-              </a:rPr>
-              <a:t>Вывод</a:t>
-            </a:r>
-          </a:p>
-        </p:txBody>
-      </p:sp>
-      <p:cxnSp>
-        <p:nvCxnSpPr>
-          <p:cNvPr id="33" name="Shape 32"/>
-          <p:cNvCxnSpPr>
-            <a:stCxn id="28" idx="0"/>
-            <a:endCxn id="29" idx="1"/>
-          </p:cNvCxnSpPr>
-          <p:nvPr/>
-        </p:nvCxnSpPr>
-        <p:spPr>
-          <a:xfrm rot="5400000" flipH="1" flipV="1">
-            <a:off x="3000364" y="-214337"/>
-            <a:ext cx="250033" cy="1178727"/>
-          </a:xfrm>
-          <a:prstGeom prst="curvedConnector2">
-            <a:avLst/>
-          </a:prstGeom>
-          <a:ln>
-            <a:solidFill>
-              <a:schemeClr val="tx1"/>
-            </a:solidFill>
-            <a:tailEnd type="arrow"/>
-          </a:ln>
-        </p:spPr>
-        <p:style>
-          <a:lnRef idx="1">
-            <a:schemeClr val="accent1"/>
-          </a:lnRef>
-          <a:fillRef idx="0">
-            <a:schemeClr val="accent1"/>
-          </a:fillRef>
-          <a:effectRef idx="0">
-            <a:schemeClr val="accent1"/>
-          </a:effectRef>
-          <a:fontRef idx="minor">
-            <a:schemeClr val="tx1"/>
-          </a:fontRef>
-        </p:style>
-      </p:cxnSp>
-      <p:cxnSp>
-        <p:nvCxnSpPr>
-          <p:cNvPr id="34" name="Скругленная соединительная линия 33"/>
-          <p:cNvCxnSpPr>
-            <a:stCxn id="28" idx="3"/>
-            <a:endCxn id="31" idx="1"/>
-          </p:cNvCxnSpPr>
-          <p:nvPr/>
-        </p:nvCxnSpPr>
-        <p:spPr>
-          <a:xfrm>
-            <a:off x="3357554" y="607199"/>
-            <a:ext cx="357190" cy="1588"/>
-          </a:xfrm>
-          <a:prstGeom prst="curvedConnector3">
-            <a:avLst>
-              <a:gd name="adj1" fmla="val 50000"/>
-            </a:avLst>
-          </a:prstGeom>
-          <a:ln>
-            <a:solidFill>
-              <a:schemeClr val="tx1"/>
-            </a:solidFill>
-            <a:tailEnd type="arrow"/>
-          </a:ln>
-        </p:spPr>
-        <p:style>
-          <a:lnRef idx="1">
-            <a:schemeClr val="accent1"/>
-          </a:lnRef>
-          <a:fillRef idx="0">
-            <a:schemeClr val="accent1"/>
-          </a:fillRef>
-          <a:effectRef idx="0">
-            <a:schemeClr val="accent1"/>
-          </a:effectRef>
-          <a:fontRef idx="minor">
-            <a:schemeClr val="tx1"/>
-          </a:fontRef>
-        </p:style>
-      </p:cxnSp>
-      <p:cxnSp>
-        <p:nvCxnSpPr>
-          <p:cNvPr id="35" name="Скругленная соединительная линия 34"/>
-          <p:cNvCxnSpPr>
-            <a:stCxn id="31" idx="3"/>
-            <a:endCxn id="32" idx="1"/>
-          </p:cNvCxnSpPr>
-          <p:nvPr/>
-        </p:nvCxnSpPr>
-        <p:spPr>
-          <a:xfrm>
-            <a:off x="5357818" y="607199"/>
-            <a:ext cx="357190" cy="1588"/>
-          </a:xfrm>
-          <a:prstGeom prst="curvedConnector3">
-            <a:avLst>
-              <a:gd name="adj1" fmla="val 50000"/>
-            </a:avLst>
-          </a:prstGeom>
-          <a:ln>
-            <a:solidFill>
-              <a:schemeClr val="tx1"/>
-            </a:solidFill>
-            <a:tailEnd type="arrow"/>
-          </a:ln>
-        </p:spPr>
-        <p:style>
-          <a:lnRef idx="1">
-            <a:schemeClr val="accent1"/>
-          </a:lnRef>
-          <a:fillRef idx="0">
-            <a:schemeClr val="accent1"/>
-          </a:fillRef>
-          <a:effectRef idx="0">
-            <a:schemeClr val="accent1"/>
-          </a:effectRef>
-          <a:fontRef idx="minor">
-            <a:schemeClr val="tx1"/>
-          </a:fontRef>
-        </p:style>
-      </p:cxnSp>
-      <p:cxnSp>
-        <p:nvCxnSpPr>
-          <p:cNvPr id="36" name="Shape 20"/>
-          <p:cNvCxnSpPr>
-            <a:stCxn id="31" idx="0"/>
-            <a:endCxn id="29" idx="2"/>
-          </p:cNvCxnSpPr>
-          <p:nvPr/>
-        </p:nvCxnSpPr>
-        <p:spPr>
-          <a:xfrm rot="5400000" flipH="1" flipV="1">
-            <a:off x="4464843" y="428604"/>
-            <a:ext cx="142876" cy="1588"/>
-          </a:xfrm>
-          <a:prstGeom prst="curvedConnector3">
-            <a:avLst>
-              <a:gd name="adj1" fmla="val 50000"/>
-            </a:avLst>
-          </a:prstGeom>
-          <a:ln>
-            <a:solidFill>
-              <a:schemeClr val="tx1"/>
-            </a:solidFill>
-            <a:tailEnd type="arrow"/>
-          </a:ln>
-        </p:spPr>
-        <p:style>
-          <a:lnRef idx="1">
-            <a:schemeClr val="accent1"/>
-          </a:lnRef>
-          <a:fillRef idx="0">
-            <a:schemeClr val="accent1"/>
-          </a:fillRef>
-          <a:effectRef idx="0">
-            <a:schemeClr val="accent1"/>
-          </a:effectRef>
-          <a:fontRef idx="minor">
-            <a:schemeClr val="tx1"/>
-          </a:fontRef>
-        </p:style>
-      </p:cxnSp>
-      <p:cxnSp>
-        <p:nvCxnSpPr>
-          <p:cNvPr id="37" name="Shape 36"/>
-          <p:cNvCxnSpPr>
-            <a:stCxn id="32" idx="0"/>
-            <a:endCxn id="29" idx="3"/>
-          </p:cNvCxnSpPr>
-          <p:nvPr/>
-        </p:nvCxnSpPr>
-        <p:spPr>
-          <a:xfrm rot="16200000" flipV="1">
-            <a:off x="5822166" y="-214338"/>
-            <a:ext cx="250033" cy="1178727"/>
-          </a:xfrm>
-          <a:prstGeom prst="curvedConnector2">
-            <a:avLst/>
-          </a:prstGeom>
-          <a:ln>
-            <a:solidFill>
-              <a:schemeClr val="tx1"/>
-            </a:solidFill>
-            <a:tailEnd type="arrow"/>
-          </a:ln>
-        </p:spPr>
-        <p:style>
-          <a:lnRef idx="1">
-            <a:schemeClr val="accent1"/>
-          </a:lnRef>
-          <a:fillRef idx="0">
-            <a:schemeClr val="accent1"/>
-          </a:fillRef>
-          <a:effectRef idx="0">
-            <a:schemeClr val="accent1"/>
-          </a:effectRef>
-          <a:fontRef idx="minor">
-            <a:schemeClr val="tx1"/>
-          </a:fontRef>
-        </p:style>
-      </p:cxnSp>
-      <p:sp>
-        <p:nvSpPr>
-          <p:cNvPr id="24" name="Номер слайда 23"/>
-          <p:cNvSpPr>
-            <a:spLocks noGrp="1"/>
-          </p:cNvSpPr>
-          <p:nvPr>
-            <p:ph type="sldNum" sz="quarter" idx="12"/>
-          </p:nvPr>
-        </p:nvSpPr>
-        <p:spPr/>
-        <p:txBody>
-          <a:bodyPr/>
-          <a:lstStyle/>
-          <a:p>
-            <a:fld id="{F2BB55FB-146C-47F1-A3F4-E5E9F11C5D2A}" type="slidenum">
-              <a:rPr lang="ru-RU" smtClean="0"/>
-              <a:pPr/>
-              <a:t>7</a:t>
-            </a:fld>
-            <a:endParaRPr lang="ru-RU"/>
           </a:p>
         </p:txBody>
       </p:sp>
@@ -19745,30 +17441,6 @@
           </a:fontRef>
         </p:style>
       </p:cxnSp>
-      <p:sp>
-        <p:nvSpPr>
-          <p:cNvPr id="19" name="Номер слайда 18"/>
-          <p:cNvSpPr>
-            <a:spLocks noGrp="1"/>
-          </p:cNvSpPr>
-          <p:nvPr>
-            <p:ph type="sldNum" sz="quarter" idx="12"/>
-          </p:nvPr>
-        </p:nvSpPr>
-        <p:spPr/>
-        <p:txBody>
-          <a:bodyPr/>
-          <a:lstStyle/>
-          <a:p>
-            <a:fld id="{F2BB55FB-146C-47F1-A3F4-E5E9F11C5D2A}" type="slidenum">
-              <a:rPr lang="ru-RU" smtClean="0"/>
-              <a:pPr/>
-              <a:t>8</a:t>
-            </a:fld>
-            <a:endParaRPr lang="ru-RU"/>
-          </a:p>
-        </p:txBody>
-      </p:sp>
     </p:spTree>
   </p:cSld>
   <p:clrMapOvr>
@@ -19854,7 +17526,7 @@
         </p:blipFill>
         <p:spPr bwMode="auto">
           <a:xfrm>
-            <a:off x="928662" y="2357430"/>
+            <a:off x="6072198" y="1500174"/>
             <a:ext cx="2305050" cy="3067050"/>
           </a:xfrm>
           <a:prstGeom prst="rect">
@@ -19880,7 +17552,7 @@
         </p:blipFill>
         <p:spPr bwMode="auto">
           <a:xfrm>
-            <a:off x="6064053" y="1357297"/>
+            <a:off x="1285852" y="1357298"/>
             <a:ext cx="1805329" cy="5390379"/>
           </a:xfrm>
           <a:prstGeom prst="rect">
@@ -19957,7 +17629,7 @@
         </p:nvSpPr>
         <p:spPr>
           <a:xfrm rot="10800000">
-            <a:off x="3369395" y="2997488"/>
+            <a:off x="3447164" y="3535949"/>
             <a:ext cx="357190" cy="331471"/>
           </a:xfrm>
           <a:prstGeom prst="rightArrow">
@@ -19997,7 +17669,7 @@
         </p:nvSpPr>
         <p:spPr>
           <a:xfrm>
-            <a:off x="5357515" y="3531462"/>
+            <a:off x="5429257" y="3044761"/>
             <a:ext cx="357190" cy="331471"/>
           </a:xfrm>
           <a:prstGeom prst="rightArrow">
@@ -20469,30 +18141,6 @@
           </a:fontRef>
         </p:style>
       </p:cxnSp>
-      <p:sp>
-        <p:nvSpPr>
-          <p:cNvPr id="18" name="Номер слайда 17"/>
-          <p:cNvSpPr>
-            <a:spLocks noGrp="1"/>
-          </p:cNvSpPr>
-          <p:nvPr>
-            <p:ph type="sldNum" sz="quarter" idx="12"/>
-          </p:nvPr>
-        </p:nvSpPr>
-        <p:spPr/>
-        <p:txBody>
-          <a:bodyPr/>
-          <a:lstStyle/>
-          <a:p>
-            <a:fld id="{F2BB55FB-146C-47F1-A3F4-E5E9F11C5D2A}" type="slidenum">
-              <a:rPr lang="ru-RU" smtClean="0"/>
-              <a:pPr/>
-              <a:t>9</a:t>
-            </a:fld>
-            <a:endParaRPr lang="ru-RU"/>
-          </a:p>
-        </p:txBody>
-      </p:sp>
     </p:spTree>
   </p:cSld>
   <p:clrMapOvr>
